--- a/01-intro.pptx
+++ b/01-intro.pptx
@@ -284,7 +284,7 @@
               <a:rPr lang="en-US" smtClean="0">
                 <a:latin typeface="Segoe UI" pitchFamily="34" charset="0"/>
               </a:rPr>
-              <a:t>12/20/2018 3:32 PM</a:t>
+              <a:t>12/1/2019 9:34 AM</a:t>
             </a:fld>
             <a:endParaRPr lang="en-US" dirty="0">
               <a:latin typeface="Segoe UI" pitchFamily="34" charset="0"/>
@@ -581,7 +581,7 @@
           <a:p>
             <a:fld id="{D18B56EA-E28F-4F92-9F16-7A6F2501B303}" type="datetime8">
               <a:rPr lang="en-US" smtClean="0"/>
-              <a:t>12/20/2018 3:32 PM</a:t>
+              <a:t>12/1/2019 9:34 AM</a:t>
             </a:fld>
             <a:endParaRPr lang="en-US" dirty="0"/>
           </a:p>
@@ -964,7 +964,7 @@
           <a:p>
             <a:fld id="{D18B56EA-E28F-4F92-9F16-7A6F2501B303}" type="datetime8">
               <a:rPr lang="en-US" smtClean="0"/>
-              <a:t>12/20/2018 3:32 PM</a:t>
+              <a:t>12/1/2019 9:34 AM</a:t>
             </a:fld>
             <a:endParaRPr lang="en-US" dirty="0"/>
           </a:p>
@@ -1145,7 +1145,7 @@
           <a:p>
             <a:fld id="{D18B56EA-E28F-4F92-9F16-7A6F2501B303}" type="datetime8">
               <a:rPr lang="en-US" smtClean="0"/>
-              <a:t>12/20/2018 3:32 PM</a:t>
+              <a:t>12/1/2019 9:34 AM</a:t>
             </a:fld>
             <a:endParaRPr lang="en-US" dirty="0"/>
           </a:p>
@@ -1326,7 +1326,7 @@
           <a:p>
             <a:fld id="{D18B56EA-E28F-4F92-9F16-7A6F2501B303}" type="datetime8">
               <a:rPr lang="en-US" smtClean="0"/>
-              <a:t>12/20/2018 3:32 PM</a:t>
+              <a:t>12/1/2019 9:34 AM</a:t>
             </a:fld>
             <a:endParaRPr lang="en-US" dirty="0"/>
           </a:p>
@@ -1507,7 +1507,7 @@
           <a:p>
             <a:fld id="{D18B56EA-E28F-4F92-9F16-7A6F2501B303}" type="datetime8">
               <a:rPr lang="en-US" smtClean="0"/>
-              <a:t>12/20/2018 3:32 PM</a:t>
+              <a:t>12/1/2019 9:34 AM</a:t>
             </a:fld>
             <a:endParaRPr lang="en-US" dirty="0"/>
           </a:p>
@@ -1688,7 +1688,7 @@
           <a:p>
             <a:fld id="{D18B56EA-E28F-4F92-9F16-7A6F2501B303}" type="datetime8">
               <a:rPr lang="en-US" smtClean="0"/>
-              <a:t>12/20/2018 3:32 PM</a:t>
+              <a:t>12/1/2019 9:34 AM</a:t>
             </a:fld>
             <a:endParaRPr lang="en-US" dirty="0"/>
           </a:p>
@@ -1869,7 +1869,7 @@
           <a:p>
             <a:fld id="{D18B56EA-E28F-4F92-9F16-7A6F2501B303}" type="datetime8">
               <a:rPr lang="en-US" smtClean="0"/>
-              <a:t>12/20/2018 3:32 PM</a:t>
+              <a:t>12/1/2019 9:34 AM</a:t>
             </a:fld>
             <a:endParaRPr lang="en-US" dirty="0"/>
           </a:p>
@@ -16749,7 +16749,7 @@
               </a:lnSpc>
             </a:pPr>
             <a:r>
-              <a:rPr lang="en-US" sz="1250">
+              <a:rPr lang="en-US" sz="1250" dirty="0">
                 <a:gradFill>
                   <a:gsLst>
                     <a:gs pos="96875">
@@ -16762,7 +16762,7 @@
                   <a:lin ang="5400000" scaled="1"/>
                 </a:gradFill>
               </a:rPr>
-              <a:t>Local</a:t>
+              <a:t>Local or Hosted</a:t>
             </a:r>
           </a:p>
         </p:txBody>
@@ -17052,7 +17052,7 @@
               </a:lnSpc>
             </a:pPr>
             <a:r>
-              <a:rPr lang="en-US" sz="1100">
+              <a:rPr lang="en-US" sz="1100" dirty="0">
                 <a:gradFill>
                   <a:gsLst>
                     <a:gs pos="96875">
@@ -17065,7 +17065,7 @@
                   <a:lin ang="5400000" scaled="1"/>
                 </a:gradFill>
               </a:rPr>
-              <a:t>Available on Classic and Client-Side Pages</a:t>
+              <a:t>Available on Classic and Modern Pages</a:t>
             </a:r>
           </a:p>
         </p:txBody>
@@ -17457,7 +17457,39 @@
                   <a:lin ang="5400000" scaled="0"/>
                 </a:gradFill>
               </a:rPr>
-              <a:t> </a:t>
+              <a:t> @</a:t>
+            </a:r>
+            <a:r>
+              <a:rPr lang="en-US" sz="1100" dirty="0" err="1">
+                <a:gradFill>
+                  <a:gsLst>
+                    <a:gs pos="1250">
+                      <a:schemeClr val="tx1"/>
+                    </a:gs>
+                    <a:gs pos="100000">
+                      <a:schemeClr val="tx1"/>
+                    </a:gs>
+                  </a:gsLst>
+                  <a:lin ang="5400000" scaled="0"/>
+                </a:gradFill>
+              </a:rPr>
+              <a:t>microsoft</a:t>
+            </a:r>
+            <a:r>
+              <a:rPr lang="en-US" sz="1100" dirty="0">
+                <a:gradFill>
+                  <a:gsLst>
+                    <a:gs pos="1250">
+                      <a:schemeClr val="tx1"/>
+                    </a:gs>
+                    <a:gs pos="100000">
+                      <a:schemeClr val="tx1"/>
+                    </a:gs>
+                  </a:gsLst>
+                  <a:lin ang="5400000" scaled="0"/>
+                </a:gradFill>
+              </a:rPr>
+              <a:t>/</a:t>
             </a:r>
             <a:r>
               <a:rPr lang="en-US" sz="1100" dirty="0" err="1">
@@ -17696,7 +17728,7 @@
           <a:lstStyle/>
           <a:p>
             <a:r>
-              <a:rPr lang="en-US" sz="1100">
+              <a:rPr lang="en-US" sz="1100" dirty="0">
                 <a:gradFill>
                   <a:gsLst>
                     <a:gs pos="1250">
@@ -17709,7 +17741,7 @@
                   <a:lin ang="5400000" scaled="0"/>
                 </a:gradFill>
               </a:rPr>
-              <a:t>gulp package-solution</a:t>
+              <a:t>gulp bundle --ship</a:t>
             </a:r>
           </a:p>
         </p:txBody>
@@ -17760,9 +17792,12 @@
           </a:lstStyle>
           <a:p>
             <a:r>
-              <a:rPr lang="en-US"/>
-              <a:t>gulp deploy-azure-storage</a:t>
-            </a:r>
+              <a:rPr lang="en-US" dirty="0"/>
+              <a:t>gulp package-solution --ship</a:t>
+            </a:r>
+          </a:p>
+          <a:p>
+            <a:endParaRPr lang="en-US" dirty="0"/>
           </a:p>
         </p:txBody>
       </p:sp>

--- a/01-intro.pptx
+++ b/01-intro.pptx
@@ -282,7 +282,7 @@
               <a:rPr lang="en-US" smtClean="0">
                 <a:latin typeface="Segoe UI" pitchFamily="34" charset="0"/>
               </a:rPr>
-              <a:t>2/25/20 6:05 AM</a:t>
+              <a:t>8/22/2020 2:00 PM</a:t>
             </a:fld>
             <a:endParaRPr lang="en-US" dirty="0">
               <a:latin typeface="Segoe UI" pitchFamily="34" charset="0"/>
@@ -579,7 +579,7 @@
           <a:p>
             <a:fld id="{D18B56EA-E28F-4F92-9F16-7A6F2501B303}" type="datetime8">
               <a:rPr lang="en-US" smtClean="0"/>
-              <a:t>2/25/20 6:05 AM</a:t>
+              <a:t>8/22/2020 2:00 PM</a:t>
             </a:fld>
             <a:endParaRPr lang="en-US" dirty="0"/>
           </a:p>
@@ -962,7 +962,7 @@
           <a:p>
             <a:fld id="{D18B56EA-E28F-4F92-9F16-7A6F2501B303}" type="datetime8">
               <a:rPr lang="en-US" smtClean="0"/>
-              <a:t>2/25/20 6:05 AM</a:t>
+              <a:t>8/22/2020 2:00 PM</a:t>
             </a:fld>
             <a:endParaRPr lang="en-US" dirty="0"/>
           </a:p>
@@ -1954,7 +1954,7 @@
           <a:p>
             <a:fld id="{D18B56EA-E28F-4F92-9F16-7A6F2501B303}" type="datetime8">
               <a:rPr lang="en-US" smtClean="0"/>
-              <a:t>2/25/20 2:41 PM</a:t>
+              <a:t>8/22/2020 2:00 PM</a:t>
             </a:fld>
             <a:endParaRPr lang="en-US" dirty="0"/>
           </a:p>
@@ -2051,7 +2051,7 @@
                 <a:ea typeface="+mn-ea"/>
                 <a:cs typeface="+mn-cs"/>
               </a:rPr>
-              <a:t>Once you've created you project and its ready for deployment, use the `gulp package-solution` task to create the **\*.</a:t>
+              <a:t>Once you've created your project and it’s ready for deployment, use the `gulp package-solution` task to create the **\*.</a:t>
             </a:r>
             <a:r>
               <a:rPr lang="en-US" sz="900" b="0" i="0" kern="1200" dirty="0" err="1">
@@ -2732,7 +2732,7 @@
           <a:p>
             <a:fld id="{D18B56EA-E28F-4F92-9F16-7A6F2501B303}" type="datetime8">
               <a:rPr lang="en-US" smtClean="0"/>
-              <a:t>2/25/20 3:12 PM</a:t>
+              <a:t>8/22/2020 2:00 PM</a:t>
             </a:fld>
             <a:endParaRPr lang="en-US" dirty="0"/>
           </a:p>
@@ -2913,7 +2913,7 @@
           <a:p>
             <a:fld id="{D18B56EA-E28F-4F92-9F16-7A6F2501B303}" type="datetime8">
               <a:rPr lang="en-US" smtClean="0"/>
-              <a:t>2/25/20 6:05 AM</a:t>
+              <a:t>8/22/2020 2:00 PM</a:t>
             </a:fld>
             <a:endParaRPr lang="en-US" dirty="0"/>
           </a:p>
@@ -3094,7 +3094,7 @@
           <a:p>
             <a:fld id="{D18B56EA-E28F-4F92-9F16-7A6F2501B303}" type="datetime8">
               <a:rPr lang="en-US" smtClean="0"/>
-              <a:t>2/25/20 6:05 AM</a:t>
+              <a:t>8/22/2020 2:00 PM</a:t>
             </a:fld>
             <a:endParaRPr lang="en-US" dirty="0"/>
           </a:p>
@@ -3275,7 +3275,7 @@
           <a:p>
             <a:fld id="{D18B56EA-E28F-4F92-9F16-7A6F2501B303}" type="datetime8">
               <a:rPr lang="en-US" smtClean="0"/>
-              <a:t>2/25/20 6:05 AM</a:t>
+              <a:t>8/22/2020 2:00 PM</a:t>
             </a:fld>
             <a:endParaRPr lang="en-US" dirty="0"/>
           </a:p>
@@ -3456,7 +3456,7 @@
           <a:p>
             <a:fld id="{D18B56EA-E28F-4F92-9F16-7A6F2501B303}" type="datetime8">
               <a:rPr lang="en-US" smtClean="0"/>
-              <a:t>2/25/20 6:05 AM</a:t>
+              <a:t>8/22/2020 2:00 PM</a:t>
             </a:fld>
             <a:endParaRPr lang="en-US" dirty="0"/>
           </a:p>
@@ -3640,7 +3640,7 @@
           <a:p>
             <a:fld id="{D18B56EA-E28F-4F92-9F16-7A6F2501B303}" type="datetime8">
               <a:rPr lang="en-US" smtClean="0"/>
-              <a:t>2/25/20 6:05 AM</a:t>
+              <a:t>8/22/2020 2:00 PM</a:t>
             </a:fld>
             <a:endParaRPr lang="en-US" dirty="0"/>
           </a:p>
@@ -4629,18 +4629,46 @@
           <a:bodyPr/>
           <a:lstStyle/>
           <a:p>
-            <a:r>
-              <a:rPr lang="en-US" dirty="0"/>
-              <a:t>CSS modules address a challenge that when we're working with client side solutions. CSS classes can be used to not only set the styles of a element on the page, but can also override other CSS classes. If a CSS class name is present on the page more than once, the last one will override any settings on previously defined classes.</a:t>
-            </a:r>
-          </a:p>
-          <a:p>
-            <a:endParaRPr lang="en-US" dirty="0"/>
-          </a:p>
-          <a:p>
-            <a:r>
-              <a:rPr lang="en-US" dirty="0"/>
-              <a:t>This native aspect of CSS classes presents a challenge with SharePoint Framework components when more than one web parts are on the same page using the same CSS class name can impact the rendering of each component.</a:t>
+            <a:pPr marL="0" marR="0" lvl="0" indent="0" algn="l" defTabSz="932742" rtl="0" eaLnBrk="1" fontAlgn="auto" latinLnBrk="0" hangingPunct="1">
+              <a:lnSpc>
+                <a:spcPct val="90000"/>
+              </a:lnSpc>
+              <a:spcBef>
+                <a:spcPts val="0"/>
+              </a:spcBef>
+              <a:spcAft>
+                <a:spcPts val="340"/>
+              </a:spcAft>
+              <a:buClrTx/>
+              <a:buSzTx/>
+              <a:buFontTx/>
+              <a:buNone/>
+              <a:tabLst/>
+              <a:defRPr/>
+            </a:pPr>
+            <a:r>
+              <a:rPr lang="en-US" b="0" dirty="0">
+                <a:solidFill>
+                  <a:srgbClr val="000000"/>
+                </a:solidFill>
+                <a:effectLst/>
+                <a:latin typeface="Consolas" panose="020B0609020204030204" pitchFamily="49" charset="0"/>
+              </a:rPr>
+              <a:t>CSS modules address a challenge you may have when working with client-side solutions</a:t>
+            </a:r>
+            <a:r>
+              <a:rPr lang="en-US" dirty="0"/>
+              <a:t>. CSS classes can be used to not only set the styles of an element on the page, but can also override other CSS classes. If a CSS class name is present on the page more than once, the last one will override any settings on previously defined classes. </a:t>
+            </a:r>
+            <a:r>
+              <a:rPr lang="en-US" b="0" dirty="0">
+                <a:solidFill>
+                  <a:srgbClr val="000000"/>
+                </a:solidFill>
+                <a:effectLst/>
+                <a:latin typeface="Consolas" panose="020B0609020204030204" pitchFamily="49" charset="0"/>
+              </a:rPr>
+              <a:t>For example, having different web parts that use the same CSS class name on the same page can impact the rendering of each web part.</a:t>
             </a:r>
           </a:p>
           <a:p>
@@ -4790,7 +4818,7 @@
           <a:p>
             <a:fld id="{D18B56EA-E28F-4F92-9F16-7A6F2501B303}" type="datetime8">
               <a:rPr lang="en-US" smtClean="0"/>
-              <a:t>2/25/20 11:10 AM</a:t>
+              <a:t>8/22/2020 2:00 PM</a:t>
             </a:fld>
             <a:endParaRPr lang="en-US" dirty="0"/>
           </a:p>
@@ -5518,7 +5546,7 @@
           <a:p>
             <a:fld id="{D18B56EA-E28F-4F92-9F16-7A6F2501B303}" type="datetime8">
               <a:rPr lang="en-US" smtClean="0"/>
-              <a:t>2/25/20 11:36 AM</a:t>
+              <a:t>8/22/2020 2:00 PM</a:t>
             </a:fld>
             <a:endParaRPr lang="en-US" dirty="0"/>
           </a:p>

--- a/01-intro.pptx
+++ b/01-intro.pptx
@@ -282,7 +282,7 @@
               <a:rPr lang="en-US" smtClean="0">
                 <a:latin typeface="Segoe UI" pitchFamily="34" charset="0"/>
               </a:rPr>
-              <a:t>8/22/2020 2:00 PM</a:t>
+              <a:t>5/19/2021 7:05 PM</a:t>
             </a:fld>
             <a:endParaRPr lang="en-US" dirty="0">
               <a:latin typeface="Segoe UI" pitchFamily="34" charset="0"/>
@@ -579,7 +579,7 @@
           <a:p>
             <a:fld id="{D18B56EA-E28F-4F92-9F16-7A6F2501B303}" type="datetime8">
               <a:rPr lang="en-US" smtClean="0"/>
-              <a:t>8/22/2020 2:00 PM</a:t>
+              <a:t>5/19/2021 7:05 PM</a:t>
             </a:fld>
             <a:endParaRPr lang="en-US" dirty="0"/>
           </a:p>
@@ -962,7 +962,7 @@
           <a:p>
             <a:fld id="{D18B56EA-E28F-4F92-9F16-7A6F2501B303}" type="datetime8">
               <a:rPr lang="en-US" smtClean="0"/>
-              <a:t>8/22/2020 2:00 PM</a:t>
+              <a:t>5/19/2021 7:05 PM</a:t>
             </a:fld>
             <a:endParaRPr lang="en-US" dirty="0"/>
           </a:p>
@@ -1954,7 +1954,7 @@
           <a:p>
             <a:fld id="{D18B56EA-E28F-4F92-9F16-7A6F2501B303}" type="datetime8">
               <a:rPr lang="en-US" smtClean="0"/>
-              <a:t>8/22/2020 2:00 PM</a:t>
+              <a:t>5/19/2021 7:05 PM</a:t>
             </a:fld>
             <a:endParaRPr lang="en-US" dirty="0"/>
           </a:p>
@@ -2732,7 +2732,7 @@
           <a:p>
             <a:fld id="{D18B56EA-E28F-4F92-9F16-7A6F2501B303}" type="datetime8">
               <a:rPr lang="en-US" smtClean="0"/>
-              <a:t>8/22/2020 2:00 PM</a:t>
+              <a:t>5/19/2021 7:05 PM</a:t>
             </a:fld>
             <a:endParaRPr lang="en-US" dirty="0"/>
           </a:p>
@@ -2913,7 +2913,7 @@
           <a:p>
             <a:fld id="{D18B56EA-E28F-4F92-9F16-7A6F2501B303}" type="datetime8">
               <a:rPr lang="en-US" smtClean="0"/>
-              <a:t>8/22/2020 2:00 PM</a:t>
+              <a:t>5/19/2021 7:05 PM</a:t>
             </a:fld>
             <a:endParaRPr lang="en-US" dirty="0"/>
           </a:p>
@@ -3094,7 +3094,7 @@
           <a:p>
             <a:fld id="{D18B56EA-E28F-4F92-9F16-7A6F2501B303}" type="datetime8">
               <a:rPr lang="en-US" smtClean="0"/>
-              <a:t>8/22/2020 2:00 PM</a:t>
+              <a:t>5/19/2021 7:05 PM</a:t>
             </a:fld>
             <a:endParaRPr lang="en-US" dirty="0"/>
           </a:p>
@@ -3275,7 +3275,7 @@
           <a:p>
             <a:fld id="{D18B56EA-E28F-4F92-9F16-7A6F2501B303}" type="datetime8">
               <a:rPr lang="en-US" smtClean="0"/>
-              <a:t>8/22/2020 2:00 PM</a:t>
+              <a:t>5/19/2021 7:05 PM</a:t>
             </a:fld>
             <a:endParaRPr lang="en-US" dirty="0"/>
           </a:p>
@@ -3456,7 +3456,7 @@
           <a:p>
             <a:fld id="{D18B56EA-E28F-4F92-9F16-7A6F2501B303}" type="datetime8">
               <a:rPr lang="en-US" smtClean="0"/>
-              <a:t>8/22/2020 2:00 PM</a:t>
+              <a:t>5/19/2021 7:05 PM</a:t>
             </a:fld>
             <a:endParaRPr lang="en-US" dirty="0"/>
           </a:p>
@@ -3640,7 +3640,7 @@
           <a:p>
             <a:fld id="{D18B56EA-E28F-4F92-9F16-7A6F2501B303}" type="datetime8">
               <a:rPr lang="en-US" smtClean="0"/>
-              <a:t>8/22/2020 2:00 PM</a:t>
+              <a:t>5/19/2021 7:05 PM</a:t>
             </a:fld>
             <a:endParaRPr lang="en-US" dirty="0"/>
           </a:p>
@@ -3787,7 +3787,15 @@
             </a:r>
             <a:r>
               <a:rPr lang="en-US" dirty="0"/>
-              <a:t>**: This folder, created automatically when you bundle the project, contains the JavaScript bundle &amp; manifest created by the build process that will be used in deployment. </a:t>
+              <a:t>**: This folder contains the files generated when you bundle your project, regardless of which switch you use. The </a:t>
+            </a:r>
+            <a:r>
+              <a:rPr lang="en-US" dirty="0" err="1"/>
+              <a:t>unminified</a:t>
+            </a:r>
+            <a:r>
+              <a:rPr lang="en-US" dirty="0"/>
+              <a:t> JavaScript files and source maps contained in this folder are used when you run in debug mode.</a:t>
             </a:r>
           </a:p>
           <a:p>
@@ -3824,6 +3832,16 @@
             <a:r>
               <a:rPr lang="en-US" dirty="0"/>
               <a:t> install` command.</a:t>
+            </a:r>
+          </a:p>
+          <a:p>
+            <a:pPr marL="171450" indent="-171450">
+              <a:buFont typeface="Arial" panose="020B0604020202020204" pitchFamily="34" charset="0"/>
+              <a:buChar char="•"/>
+            </a:pPr>
+            <a:r>
+              <a:rPr lang="en-US" dirty="0"/>
+              <a:t>**release**: This folder contains a subfolder named **assets** that contains the files generated when you bundle your project using the `ship` or `production` switch. These files are deployed to the CDN. This folder also contains two additional subfolders that contain manifest files.</a:t>
             </a:r>
           </a:p>
           <a:p>
@@ -4818,7 +4836,7 @@
           <a:p>
             <a:fld id="{D18B56EA-E28F-4F92-9F16-7A6F2501B303}" type="datetime8">
               <a:rPr lang="en-US" smtClean="0"/>
-              <a:t>8/22/2020 2:00 PM</a:t>
+              <a:t>5/19/2021 7:05 PM</a:t>
             </a:fld>
             <a:endParaRPr lang="en-US" dirty="0"/>
           </a:p>
@@ -5546,7 +5564,7 @@
           <a:p>
             <a:fld id="{D18B56EA-E28F-4F92-9F16-7A6F2501B303}" type="datetime8">
               <a:rPr lang="en-US" smtClean="0"/>
-              <a:t>8/22/2020 2:00 PM</a:t>
+              <a:t>5/19/2021 7:05 PM</a:t>
             </a:fld>
             <a:endParaRPr lang="en-US" dirty="0"/>
           </a:p>
@@ -23844,7 +23862,7 @@
         <p:spPr>
           <a:xfrm>
             <a:off x="464400" y="1212850"/>
-            <a:ext cx="7746346" cy="5281446"/>
+            <a:ext cx="7746346" cy="5687711"/>
           </a:xfrm>
         </p:spPr>
         <p:txBody>
@@ -23877,7 +23895,7 @@
             </a:r>
             <a:r>
               <a:rPr lang="en-US" dirty="0"/>
-              <a:t>includes Visual Studio Code integration files</a:t>
+              <a:t>contains Visual Studio Code integration files</a:t>
             </a:r>
           </a:p>
           <a:p>
@@ -23891,7 +23909,7 @@
             </a:r>
             <a:r>
               <a:rPr lang="en-US" dirty="0"/>
-              <a:t> includes all config files</a:t>
+              <a:t> contains all config files</a:t>
             </a:r>
           </a:p>
           <a:p>
@@ -23913,7 +23931,7 @@
             </a:r>
             <a:r>
               <a:rPr lang="en-US" dirty="0"/>
-              <a:t> created automatically on builds – contains out from bundle process</a:t>
+              <a:t> contains output from all bundle processes</a:t>
             </a:r>
           </a:p>
           <a:p>
@@ -23950,6 +23968,20 @@
             <a:r>
               <a:rPr lang="en-US" dirty="0"/>
               <a:t> created automatically when installing all package dependencies with a package manager</a:t>
+            </a:r>
+          </a:p>
+          <a:p>
+            <a:r>
+              <a:rPr lang="en-US" dirty="0">
+                <a:solidFill>
+                  <a:srgbClr val="FF0000"/>
+                </a:solidFill>
+              </a:rPr>
+              <a:t>release:</a:t>
+            </a:r>
+            <a:r>
+              <a:rPr lang="en-US" dirty="0"/>
+              <a:t> contains output from production bundle processes</a:t>
             </a:r>
           </a:p>
           <a:p>
@@ -24015,10 +24047,10 @@
       </p:sp>
       <p:pic>
         <p:nvPicPr>
-          <p:cNvPr id="3" name="Picture 2">
+          <p:cNvPr id="6" name="Picture 5" descr="Graphical user interface, text, application&#10;&#10;Description automatically generated">
             <a:extLst>
               <a:ext uri="{FF2B5EF4-FFF2-40B4-BE49-F238E27FC236}">
-                <a16:creationId xmlns:a16="http://schemas.microsoft.com/office/drawing/2014/main" id="{84DC696B-126C-D642-B022-6ACA6254948A}"/>
+                <a16:creationId xmlns:a16="http://schemas.microsoft.com/office/drawing/2014/main" id="{983B1236-D776-4142-B9A0-47AB5D9EBA4D}"/>
               </a:ext>
             </a:extLst>
           </p:cNvPr>
@@ -24035,8 +24067,8 @@
         </p:blipFill>
         <p:spPr>
           <a:xfrm>
-            <a:off x="8210746" y="633600"/>
-            <a:ext cx="3976740" cy="5994067"/>
+            <a:off x="8769356" y="1212849"/>
+            <a:ext cx="3202719" cy="5148075"/>
           </a:xfrm>
           <a:prstGeom prst="rect">
             <a:avLst/>

--- a/01-intro.pptx
+++ b/01-intro.pptx
@@ -282,7 +282,7 @@
               <a:rPr lang="en-US" smtClean="0">
                 <a:latin typeface="Segoe UI" pitchFamily="34" charset="0"/>
               </a:rPr>
-              <a:t>5/19/2021 7:05 PM</a:t>
+              <a:t>10/17/2021 12:53 PM</a:t>
             </a:fld>
             <a:endParaRPr lang="en-US" dirty="0">
               <a:latin typeface="Segoe UI" pitchFamily="34" charset="0"/>
@@ -579,7 +579,7 @@
           <a:p>
             <a:fld id="{D18B56EA-E28F-4F92-9F16-7A6F2501B303}" type="datetime8">
               <a:rPr lang="en-US" smtClean="0"/>
-              <a:t>5/19/2021 7:05 PM</a:t>
+              <a:t>10/17/2021 12:53 PM</a:t>
             </a:fld>
             <a:endParaRPr lang="en-US" dirty="0"/>
           </a:p>
@@ -962,7 +962,7 @@
           <a:p>
             <a:fld id="{D18B56EA-E28F-4F92-9F16-7A6F2501B303}" type="datetime8">
               <a:rPr lang="en-US" smtClean="0"/>
-              <a:t>5/19/2021 7:05 PM</a:t>
+              <a:t>10/17/2021 12:53 PM</a:t>
             </a:fld>
             <a:endParaRPr lang="en-US" dirty="0"/>
           </a:p>
@@ -1600,6 +1600,23 @@
             </a:r>
           </a:p>
           <a:p>
+            <a:pPr marL="0" marR="0" lvl="0" indent="0" algn="l" defTabSz="932742" rtl="0" eaLnBrk="1" fontAlgn="auto" latinLnBrk="0" hangingPunct="1">
+              <a:lnSpc>
+                <a:spcPct val="90000"/>
+              </a:lnSpc>
+              <a:spcBef>
+                <a:spcPts val="0"/>
+              </a:spcBef>
+              <a:spcAft>
+                <a:spcPts val="340"/>
+              </a:spcAft>
+              <a:buClrTx/>
+              <a:buSzTx/>
+              <a:buFontTx/>
+              <a:buNone/>
+              <a:tabLst/>
+              <a:defRPr/>
+            </a:pPr>
             <a:r>
               <a:rPr lang="en-US" sz="900" b="0" kern="1200" dirty="0">
                 <a:solidFill>
@@ -1634,8 +1651,47 @@
                 <a:ea typeface="+mn-ea"/>
                 <a:cs typeface="+mn-cs"/>
               </a:rPr>
-              <a:t>: The serve task will start the local web server that hosts the local workbench.</a:t>
-            </a:r>
+              <a:t>: </a:t>
+            </a:r>
+            <a:r>
+              <a:rPr lang="en-US" b="0" dirty="0">
+                <a:solidFill>
+                  <a:srgbClr val="000000"/>
+                </a:solidFill>
+                <a:effectLst/>
+                <a:latin typeface="Consolas" panose="020B0609020204030204" pitchFamily="49" charset="0"/>
+              </a:rPr>
+              <a:t>The serve task will </a:t>
+            </a:r>
+            <a:r>
+              <a:rPr lang="en-US" b="0" dirty="0" err="1">
+                <a:solidFill>
+                  <a:srgbClr val="000000"/>
+                </a:solidFill>
+                <a:effectLst/>
+                <a:latin typeface="Consolas" panose="020B0609020204030204" pitchFamily="49" charset="0"/>
+              </a:rPr>
+              <a:t>will</a:t>
+            </a:r>
+            <a:r>
+              <a:rPr lang="en-US" b="0" dirty="0">
+                <a:solidFill>
+                  <a:srgbClr val="000000"/>
+                </a:solidFill>
+                <a:effectLst/>
+                <a:latin typeface="Consolas" panose="020B0609020204030204" pitchFamily="49" charset="0"/>
+              </a:rPr>
+              <a:t> build the project and start the local web server.</a:t>
+            </a:r>
+            <a:endParaRPr lang="en-US" sz="900" b="0" kern="1200" dirty="0">
+              <a:solidFill>
+                <a:schemeClr val="tx1"/>
+              </a:solidFill>
+              <a:effectLst/>
+              <a:latin typeface="Segoe UI Light" pitchFamily="34" charset="0"/>
+              <a:ea typeface="+mn-ea"/>
+              <a:cs typeface="+mn-cs"/>
+            </a:endParaRPr>
           </a:p>
           <a:p>
             <a:r>
@@ -1954,7 +2010,7 @@
           <a:p>
             <a:fld id="{D18B56EA-E28F-4F92-9F16-7A6F2501B303}" type="datetime8">
               <a:rPr lang="en-US" smtClean="0"/>
-              <a:t>5/19/2021 7:05 PM</a:t>
+              <a:t>10/17/2021 12:53 PM</a:t>
             </a:fld>
             <a:endParaRPr lang="en-US" dirty="0"/>
           </a:p>
@@ -2732,7 +2788,7 @@
           <a:p>
             <a:fld id="{D18B56EA-E28F-4F92-9F16-7A6F2501B303}" type="datetime8">
               <a:rPr lang="en-US" smtClean="0"/>
-              <a:t>5/19/2021 7:05 PM</a:t>
+              <a:t>10/17/2021 12:53 PM</a:t>
             </a:fld>
             <a:endParaRPr lang="en-US" dirty="0"/>
           </a:p>
@@ -2913,7 +2969,7 @@
           <a:p>
             <a:fld id="{D18B56EA-E28F-4F92-9F16-7A6F2501B303}" type="datetime8">
               <a:rPr lang="en-US" smtClean="0"/>
-              <a:t>5/19/2021 7:05 PM</a:t>
+              <a:t>10/17/2021 12:53 PM</a:t>
             </a:fld>
             <a:endParaRPr lang="en-US" dirty="0"/>
           </a:p>
@@ -3094,7 +3150,7 @@
           <a:p>
             <a:fld id="{D18B56EA-E28F-4F92-9F16-7A6F2501B303}" type="datetime8">
               <a:rPr lang="en-US" smtClean="0"/>
-              <a:t>5/19/2021 7:05 PM</a:t>
+              <a:t>10/17/2021 12:53 PM</a:t>
             </a:fld>
             <a:endParaRPr lang="en-US" dirty="0"/>
           </a:p>
@@ -3275,7 +3331,7 @@
           <a:p>
             <a:fld id="{D18B56EA-E28F-4F92-9F16-7A6F2501B303}" type="datetime8">
               <a:rPr lang="en-US" smtClean="0"/>
-              <a:t>5/19/2021 7:05 PM</a:t>
+              <a:t>10/17/2021 12:53 PM</a:t>
             </a:fld>
             <a:endParaRPr lang="en-US" dirty="0"/>
           </a:p>
@@ -3456,7 +3512,7 @@
           <a:p>
             <a:fld id="{D18B56EA-E28F-4F92-9F16-7A6F2501B303}" type="datetime8">
               <a:rPr lang="en-US" smtClean="0"/>
-              <a:t>5/19/2021 7:05 PM</a:t>
+              <a:t>10/17/2021 12:53 PM</a:t>
             </a:fld>
             <a:endParaRPr lang="en-US" dirty="0"/>
           </a:p>
@@ -3640,7 +3696,7 @@
           <a:p>
             <a:fld id="{D18B56EA-E28F-4F92-9F16-7A6F2501B303}" type="datetime8">
               <a:rPr lang="en-US" smtClean="0"/>
-              <a:t>5/19/2021 7:05 PM</a:t>
+              <a:t>10/17/2021 12:53 PM</a:t>
             </a:fld>
             <a:endParaRPr lang="en-US" dirty="0"/>
           </a:p>
@@ -4836,7 +4892,7 @@
           <a:p>
             <a:fld id="{D18B56EA-E28F-4F92-9F16-7A6F2501B303}" type="datetime8">
               <a:rPr lang="en-US" smtClean="0"/>
-              <a:t>5/19/2021 7:05 PM</a:t>
+              <a:t>10/17/2021 12:53 PM</a:t>
             </a:fld>
             <a:endParaRPr lang="en-US" dirty="0"/>
           </a:p>
@@ -5421,16 +5477,7 @@
           <a:p>
             <a:r>
               <a:rPr lang="en-US" dirty="0"/>
-              <a:t>Moving onto the second column, test your component in the local or hosted workbench by executing the command `gulp serve` from the command line from the root folder of the project. This task will build, bundle, start the local web server, launch the default browser, and navigate to the local workbench. Here you can add your web part to the local workbench's page to test it.</a:t>
-            </a:r>
-          </a:p>
-          <a:p>
-            <a:endParaRPr lang="en-US" dirty="0"/>
-          </a:p>
-          <a:p>
-            <a:r>
-              <a:rPr lang="en-US" dirty="0"/>
-              <a:t>You can also test it in the hosted workbench by using the same browser and navigating to the hosted workbench. The hosted workbench will load the component from your local web server in the browser.</a:t>
+              <a:t>Moving onto the second column, test your component in the hosted workbench by executing the command `gulp serve` from the command line from the root folder of the project. This task will build, bundle, start the local web server, launch the default browser, and navigate to the workbench. Here you can add your web part to the workbench's page to test it. The hosted workbench will load the component from your local web server in the browser.</a:t>
             </a:r>
           </a:p>
           <a:p>
@@ -5564,7 +5611,7 @@
           <a:p>
             <a:fld id="{D18B56EA-E28F-4F92-9F16-7A6F2501B303}" type="datetime8">
               <a:rPr lang="en-US" smtClean="0"/>
-              <a:t>5/19/2021 7:05 PM</a:t>
+              <a:t>10/17/2021 12:53 PM</a:t>
             </a:fld>
             <a:endParaRPr lang="en-US" dirty="0"/>
           </a:p>
@@ -25308,7 +25355,7 @@
                   <a:lin ang="5400000" scaled="1"/>
                 </a:gradFill>
               </a:rPr>
-              <a:t>Local or Hosted</a:t>
+              <a:t>Hosted</a:t>
             </a:r>
           </a:p>
         </p:txBody>
@@ -26186,7 +26233,7 @@
           <a:lstStyle/>
           <a:p>
             <a:r>
-              <a:rPr lang="en-US" sz="1100">
+              <a:rPr lang="en-US" sz="1100" dirty="0">
                 <a:gradFill>
                   <a:gsLst>
                     <a:gs pos="1250">

--- a/01-intro.pptx
+++ b/01-intro.pptx
@@ -282,7 +282,7 @@
               <a:rPr lang="en-US" smtClean="0">
                 <a:latin typeface="Segoe UI" pitchFamily="34" charset="0"/>
               </a:rPr>
-              <a:t>10/17/2021 12:53 PM</a:t>
+              <a:t>10/17/2021 5:17 PM</a:t>
             </a:fld>
             <a:endParaRPr lang="en-US" dirty="0">
               <a:latin typeface="Segoe UI" pitchFamily="34" charset="0"/>
@@ -579,7 +579,7 @@
           <a:p>
             <a:fld id="{D18B56EA-E28F-4F92-9F16-7A6F2501B303}" type="datetime8">
               <a:rPr lang="en-US" smtClean="0"/>
-              <a:t>10/17/2021 12:53 PM</a:t>
+              <a:t>10/17/2021 5:17 PM</a:t>
             </a:fld>
             <a:endParaRPr lang="en-US" dirty="0"/>
           </a:p>
@@ -962,7 +962,7 @@
           <a:p>
             <a:fld id="{D18B56EA-E28F-4F92-9F16-7A6F2501B303}" type="datetime8">
               <a:rPr lang="en-US" smtClean="0"/>
-              <a:t>10/17/2021 12:53 PM</a:t>
+              <a:t>10/17/2021 5:17 PM</a:t>
             </a:fld>
             <a:endParaRPr lang="en-US" dirty="0"/>
           </a:p>
@@ -2010,7 +2010,7 @@
           <a:p>
             <a:fld id="{D18B56EA-E28F-4F92-9F16-7A6F2501B303}" type="datetime8">
               <a:rPr lang="en-US" smtClean="0"/>
-              <a:t>10/17/2021 12:53 PM</a:t>
+              <a:t>10/17/2021 5:17 PM</a:t>
             </a:fld>
             <a:endParaRPr lang="en-US" dirty="0"/>
           </a:p>
@@ -2788,7 +2788,7 @@
           <a:p>
             <a:fld id="{D18B56EA-E28F-4F92-9F16-7A6F2501B303}" type="datetime8">
               <a:rPr lang="en-US" smtClean="0"/>
-              <a:t>10/17/2021 12:53 PM</a:t>
+              <a:t>10/17/2021 5:17 PM</a:t>
             </a:fld>
             <a:endParaRPr lang="en-US" dirty="0"/>
           </a:p>
@@ -2969,7 +2969,7 @@
           <a:p>
             <a:fld id="{D18B56EA-E28F-4F92-9F16-7A6F2501B303}" type="datetime8">
               <a:rPr lang="en-US" smtClean="0"/>
-              <a:t>10/17/2021 12:53 PM</a:t>
+              <a:t>10/17/2021 5:17 PM</a:t>
             </a:fld>
             <a:endParaRPr lang="en-US" dirty="0"/>
           </a:p>
@@ -3150,7 +3150,7 @@
           <a:p>
             <a:fld id="{D18B56EA-E28F-4F92-9F16-7A6F2501B303}" type="datetime8">
               <a:rPr lang="en-US" smtClean="0"/>
-              <a:t>10/17/2021 12:53 PM</a:t>
+              <a:t>10/17/2021 5:17 PM</a:t>
             </a:fld>
             <a:endParaRPr lang="en-US" dirty="0"/>
           </a:p>
@@ -3331,7 +3331,7 @@
           <a:p>
             <a:fld id="{D18B56EA-E28F-4F92-9F16-7A6F2501B303}" type="datetime8">
               <a:rPr lang="en-US" smtClean="0"/>
-              <a:t>10/17/2021 12:53 PM</a:t>
+              <a:t>10/17/2021 5:17 PM</a:t>
             </a:fld>
             <a:endParaRPr lang="en-US" dirty="0"/>
           </a:p>
@@ -3512,7 +3512,7 @@
           <a:p>
             <a:fld id="{D18B56EA-E28F-4F92-9F16-7A6F2501B303}" type="datetime8">
               <a:rPr lang="en-US" smtClean="0"/>
-              <a:t>10/17/2021 12:53 PM</a:t>
+              <a:t>10/17/2021 5:17 PM</a:t>
             </a:fld>
             <a:endParaRPr lang="en-US" dirty="0"/>
           </a:p>
@@ -3696,7 +3696,7 @@
           <a:p>
             <a:fld id="{D18B56EA-E28F-4F92-9F16-7A6F2501B303}" type="datetime8">
               <a:rPr lang="en-US" smtClean="0"/>
-              <a:t>10/17/2021 12:53 PM</a:t>
+              <a:t>10/17/2021 5:17 PM</a:t>
             </a:fld>
             <a:endParaRPr lang="en-US" dirty="0"/>
           </a:p>
@@ -4892,7 +4892,7 @@
           <a:p>
             <a:fld id="{D18B56EA-E28F-4F92-9F16-7A6F2501B303}" type="datetime8">
               <a:rPr lang="en-US" smtClean="0"/>
-              <a:t>10/17/2021 12:53 PM</a:t>
+              <a:t>10/17/2021 5:17 PM</a:t>
             </a:fld>
             <a:endParaRPr lang="en-US" dirty="0"/>
           </a:p>
@@ -5611,7 +5611,7 @@
           <a:p>
             <a:fld id="{D18B56EA-E28F-4F92-9F16-7A6F2501B303}" type="datetime8">
               <a:rPr lang="en-US" smtClean="0"/>
-              <a:t>10/17/2021 12:53 PM</a:t>
+              <a:t>10/17/2021 5:17 PM</a:t>
             </a:fld>
             <a:endParaRPr lang="en-US" dirty="0"/>
           </a:p>
@@ -24340,6 +24340,36 @@
           <a:chExt cx="0" cy="0"/>
         </a:xfrm>
       </p:grpSpPr>
+      <p:pic>
+        <p:nvPicPr>
+          <p:cNvPr id="9" name="Picture 8">
+            <a:extLst>
+              <a:ext uri="{FF2B5EF4-FFF2-40B4-BE49-F238E27FC236}">
+                <a16:creationId xmlns:a16="http://schemas.microsoft.com/office/drawing/2014/main" id="{48C3DE86-15A9-44F7-B37A-145892C02F2E}"/>
+              </a:ext>
+            </a:extLst>
+          </p:cNvPr>
+          <p:cNvPicPr>
+            <a:picLocks noChangeAspect="1"/>
+          </p:cNvPicPr>
+          <p:nvPr/>
+        </p:nvPicPr>
+        <p:blipFill>
+          <a:blip r:embed="rId3"/>
+          <a:stretch>
+            <a:fillRect/>
+          </a:stretch>
+        </p:blipFill>
+        <p:spPr>
+          <a:xfrm>
+            <a:off x="693125" y="1709848"/>
+            <a:ext cx="6164875" cy="4999664"/>
+          </a:xfrm>
+          <a:prstGeom prst="rect">
+            <a:avLst/>
+          </a:prstGeom>
+        </p:spPr>
+      </p:pic>
       <p:sp>
         <p:nvSpPr>
           <p:cNvPr id="2" name="Text Placeholder 1"/>
@@ -24399,7 +24429,7 @@
           <p:nvPr/>
         </p:nvPicPr>
         <p:blipFill>
-          <a:blip r:embed="rId3"/>
+          <a:blip r:embed="rId4"/>
           <a:stretch>
             <a:fillRect/>
           </a:stretch>
@@ -24408,36 +24438,6 @@
           <a:xfrm>
             <a:off x="7154990" y="1896114"/>
             <a:ext cx="4878951" cy="3648963"/>
-          </a:xfrm>
-          <a:prstGeom prst="rect">
-            <a:avLst/>
-          </a:prstGeom>
-        </p:spPr>
-      </p:pic>
-      <p:pic>
-        <p:nvPicPr>
-          <p:cNvPr id="8" name="Picture 7">
-            <a:extLst>
-              <a:ext uri="{FF2B5EF4-FFF2-40B4-BE49-F238E27FC236}">
-                <a16:creationId xmlns:a16="http://schemas.microsoft.com/office/drawing/2014/main" id="{19D93FFA-1BB4-F249-8834-E78374AB0BA7}"/>
-              </a:ext>
-            </a:extLst>
-          </p:cNvPr>
-          <p:cNvPicPr>
-            <a:picLocks noChangeAspect="1"/>
-          </p:cNvPicPr>
-          <p:nvPr/>
-        </p:nvPicPr>
-        <p:blipFill>
-          <a:blip r:embed="rId4"/>
-          <a:stretch>
-            <a:fillRect/>
-          </a:stretch>
-        </p:blipFill>
-        <p:spPr>
-          <a:xfrm>
-            <a:off x="697584" y="1709848"/>
-            <a:ext cx="6348364" cy="5150986"/>
           </a:xfrm>
           <a:prstGeom prst="rect">
             <a:avLst/>

--- a/01-intro.pptx
+++ b/01-intro.pptx
@@ -282,7 +282,7 @@
               <a:rPr lang="en-US" smtClean="0">
                 <a:latin typeface="Segoe UI" pitchFamily="34" charset="0"/>
               </a:rPr>
-              <a:t>10/17/2021 5:17 PM</a:t>
+              <a:t>3/22/2022 4:53 PM</a:t>
             </a:fld>
             <a:endParaRPr lang="en-US" dirty="0">
               <a:latin typeface="Segoe UI" pitchFamily="34" charset="0"/>
@@ -579,7 +579,7 @@
           <a:p>
             <a:fld id="{D18B56EA-E28F-4F92-9F16-7A6F2501B303}" type="datetime8">
               <a:rPr lang="en-US" smtClean="0"/>
-              <a:t>10/17/2021 5:17 PM</a:t>
+              <a:t>3/22/2022 4:53 PM</a:t>
             </a:fld>
             <a:endParaRPr lang="en-US" dirty="0"/>
           </a:p>
@@ -962,7 +962,7 @@
           <a:p>
             <a:fld id="{D18B56EA-E28F-4F92-9F16-7A6F2501B303}" type="datetime8">
               <a:rPr lang="en-US" smtClean="0"/>
-              <a:t>10/17/2021 5:17 PM</a:t>
+              <a:t>3/22/2022 4:53 PM</a:t>
             </a:fld>
             <a:endParaRPr lang="en-US" dirty="0"/>
           </a:p>
@@ -2010,7 +2010,7 @@
           <a:p>
             <a:fld id="{D18B56EA-E28F-4F92-9F16-7A6F2501B303}" type="datetime8">
               <a:rPr lang="en-US" smtClean="0"/>
-              <a:t>10/17/2021 5:17 PM</a:t>
+              <a:t>3/22/2022 4:53 PM</a:t>
             </a:fld>
             <a:endParaRPr lang="en-US" dirty="0"/>
           </a:p>
@@ -2788,7 +2788,7 @@
           <a:p>
             <a:fld id="{D18B56EA-E28F-4F92-9F16-7A6F2501B303}" type="datetime8">
               <a:rPr lang="en-US" smtClean="0"/>
-              <a:t>10/17/2021 5:17 PM</a:t>
+              <a:t>3/23/2022 7:57 AM</a:t>
             </a:fld>
             <a:endParaRPr lang="en-US" dirty="0"/>
           </a:p>
@@ -2969,7 +2969,7 @@
           <a:p>
             <a:fld id="{D18B56EA-E28F-4F92-9F16-7A6F2501B303}" type="datetime8">
               <a:rPr lang="en-US" smtClean="0"/>
-              <a:t>10/17/2021 5:17 PM</a:t>
+              <a:t>3/22/2022 4:53 PM</a:t>
             </a:fld>
             <a:endParaRPr lang="en-US" dirty="0"/>
           </a:p>
@@ -3150,7 +3150,7 @@
           <a:p>
             <a:fld id="{D18B56EA-E28F-4F92-9F16-7A6F2501B303}" type="datetime8">
               <a:rPr lang="en-US" smtClean="0"/>
-              <a:t>10/17/2021 5:17 PM</a:t>
+              <a:t>3/22/2022 4:53 PM</a:t>
             </a:fld>
             <a:endParaRPr lang="en-US" dirty="0"/>
           </a:p>
@@ -3331,7 +3331,7 @@
           <a:p>
             <a:fld id="{D18B56EA-E28F-4F92-9F16-7A6F2501B303}" type="datetime8">
               <a:rPr lang="en-US" smtClean="0"/>
-              <a:t>10/17/2021 5:17 PM</a:t>
+              <a:t>3/22/2022 4:53 PM</a:t>
             </a:fld>
             <a:endParaRPr lang="en-US" dirty="0"/>
           </a:p>
@@ -3512,7 +3512,7 @@
           <a:p>
             <a:fld id="{D18B56EA-E28F-4F92-9F16-7A6F2501B303}" type="datetime8">
               <a:rPr lang="en-US" smtClean="0"/>
-              <a:t>10/17/2021 5:17 PM</a:t>
+              <a:t>3/22/2022 4:53 PM</a:t>
             </a:fld>
             <a:endParaRPr lang="en-US" dirty="0"/>
           </a:p>
@@ -3696,7 +3696,7 @@
           <a:p>
             <a:fld id="{D18B56EA-E28F-4F92-9F16-7A6F2501B303}" type="datetime8">
               <a:rPr lang="en-US" smtClean="0"/>
-              <a:t>10/17/2021 5:17 PM</a:t>
+              <a:t>3/22/2022 4:53 PM</a:t>
             </a:fld>
             <a:endParaRPr lang="en-US" dirty="0"/>
           </a:p>
@@ -4892,7 +4892,7 @@
           <a:p>
             <a:fld id="{D18B56EA-E28F-4F92-9F16-7A6F2501B303}" type="datetime8">
               <a:rPr lang="en-US" smtClean="0"/>
-              <a:t>10/17/2021 5:17 PM</a:t>
+              <a:t>3/22/2022 4:53 PM</a:t>
             </a:fld>
             <a:endParaRPr lang="en-US" dirty="0"/>
           </a:p>
@@ -5611,7 +5611,7 @@
           <a:p>
             <a:fld id="{D18B56EA-E28F-4F92-9F16-7A6F2501B303}" type="datetime8">
               <a:rPr lang="en-US" smtClean="0"/>
-              <a:t>10/17/2021 5:17 PM</a:t>
+              <a:t>3/22/2022 4:53 PM</a:t>
             </a:fld>
             <a:endParaRPr lang="en-US" dirty="0"/>
           </a:p>
@@ -21427,288 +21427,6 @@
           <a:chExt cx="0" cy="0"/>
         </a:xfrm>
       </p:grpSpPr>
-      <p:grpSp>
-        <p:nvGrpSpPr>
-          <p:cNvPr id="21" name="Group 20"/>
-          <p:cNvGrpSpPr/>
-          <p:nvPr/>
-        </p:nvGrpSpPr>
-        <p:grpSpPr>
-          <a:xfrm>
-            <a:off x="4923275" y="1719250"/>
-            <a:ext cx="3638070" cy="3014516"/>
-            <a:chOff x="2547578" y="-1"/>
-            <a:chExt cx="7341317" cy="6083037"/>
-          </a:xfrm>
-        </p:grpSpPr>
-        <p:pic>
-          <p:nvPicPr>
-            <p:cNvPr id="22" name="Picture 21"/>
-            <p:cNvPicPr>
-              <a:picLocks noChangeAspect="1"/>
-            </p:cNvPicPr>
-            <p:nvPr/>
-          </p:nvPicPr>
-          <p:blipFill rotWithShape="1">
-            <a:blip r:embed="rId3"/>
-            <a:srcRect b="13031"/>
-            <a:stretch/>
-          </p:blipFill>
-          <p:spPr>
-            <a:xfrm>
-              <a:off x="2547578" y="-1"/>
-              <a:ext cx="7341317" cy="6083037"/>
-            </a:xfrm>
-            <a:prstGeom prst="rect">
-              <a:avLst/>
-            </a:prstGeom>
-          </p:spPr>
-        </p:pic>
-        <p:pic>
-          <p:nvPicPr>
-            <p:cNvPr id="23" name="Picture 22"/>
-            <p:cNvPicPr>
-              <a:picLocks noChangeAspect="1"/>
-            </p:cNvPicPr>
-            <p:nvPr/>
-          </p:nvPicPr>
-          <p:blipFill>
-            <a:blip r:embed="rId4"/>
-            <a:stretch>
-              <a:fillRect/>
-            </a:stretch>
-          </p:blipFill>
-          <p:spPr>
-            <a:xfrm>
-              <a:off x="5456237" y="5326062"/>
-              <a:ext cx="381000" cy="353786"/>
-            </a:xfrm>
-            <a:prstGeom prst="rect">
-              <a:avLst/>
-            </a:prstGeom>
-          </p:spPr>
-        </p:pic>
-      </p:grpSp>
-      <p:grpSp>
-        <p:nvGrpSpPr>
-          <p:cNvPr id="26" name="Group 25"/>
-          <p:cNvGrpSpPr/>
-          <p:nvPr/>
-        </p:nvGrpSpPr>
-        <p:grpSpPr>
-          <a:xfrm>
-            <a:off x="350837" y="1729809"/>
-            <a:ext cx="4182699" cy="3004253"/>
-            <a:chOff x="350837" y="1338109"/>
-            <a:chExt cx="4182699" cy="3004253"/>
-          </a:xfrm>
-        </p:grpSpPr>
-        <p:pic>
-          <p:nvPicPr>
-            <p:cNvPr id="20" name="Picture 19"/>
-            <p:cNvPicPr>
-              <a:picLocks noChangeAspect="1"/>
-            </p:cNvPicPr>
-            <p:nvPr/>
-          </p:nvPicPr>
-          <p:blipFill>
-            <a:blip r:embed="rId5"/>
-            <a:stretch>
-              <a:fillRect/>
-            </a:stretch>
-          </p:blipFill>
-          <p:spPr>
-            <a:xfrm>
-              <a:off x="350837" y="1338109"/>
-              <a:ext cx="4182699" cy="3004253"/>
-            </a:xfrm>
-            <a:prstGeom prst="rect">
-              <a:avLst/>
-            </a:prstGeom>
-          </p:spPr>
-        </p:pic>
-        <p:sp>
-          <p:nvSpPr>
-            <p:cNvPr id="24" name="Rectangle 23"/>
-            <p:cNvSpPr/>
-            <p:nvPr/>
-          </p:nvSpPr>
-          <p:spPr bwMode="auto">
-            <a:xfrm>
-              <a:off x="4160837" y="4154710"/>
-              <a:ext cx="331384" cy="187356"/>
-            </a:xfrm>
-            <a:prstGeom prst="rect">
-              <a:avLst/>
-            </a:prstGeom>
-            <a:solidFill>
-              <a:schemeClr val="bg1"/>
-            </a:solidFill>
-            <a:ln>
-              <a:noFill/>
-              <a:headEnd type="none" w="med" len="med"/>
-              <a:tailEnd type="none" w="med" len="med"/>
-            </a:ln>
-          </p:spPr>
-          <p:style>
-            <a:lnRef idx="2">
-              <a:schemeClr val="accent1">
-                <a:shade val="50000"/>
-              </a:schemeClr>
-            </a:lnRef>
-            <a:fillRef idx="1">
-              <a:schemeClr val="accent1"/>
-            </a:fillRef>
-            <a:effectRef idx="0">
-              <a:schemeClr val="accent1"/>
-            </a:effectRef>
-            <a:fontRef idx="minor">
-              <a:schemeClr val="lt1"/>
-            </a:fontRef>
-          </p:style>
-          <p:txBody>
-            <a:bodyPr vert="horz" wrap="square" lIns="0" tIns="46637" rIns="0" bIns="46637" numCol="1" rtlCol="0" anchor="ctr" anchorCtr="0" compatLnSpc="1">
-              <a:prstTxWarp prst="textNoShape">
-                <a:avLst/>
-              </a:prstTxWarp>
-            </a:bodyPr>
-            <a:lstStyle/>
-            <a:p>
-              <a:pPr algn="ctr" defTabSz="932472" fontAlgn="base">
-                <a:spcBef>
-                  <a:spcPct val="0"/>
-                </a:spcBef>
-                <a:spcAft>
-                  <a:spcPct val="0"/>
-                </a:spcAft>
-              </a:pPr>
-              <a:endParaRPr lang="en-US" sz="2000" dirty="0">
-                <a:gradFill>
-                  <a:gsLst>
-                    <a:gs pos="5439">
-                      <a:srgbClr val="F8F8F8"/>
-                    </a:gs>
-                    <a:gs pos="10000">
-                      <a:srgbClr val="F8F8F8"/>
-                    </a:gs>
-                  </a:gsLst>
-                  <a:lin ang="5400000" scaled="0"/>
-                </a:gradFill>
-              </a:endParaRPr>
-            </a:p>
-          </p:txBody>
-        </p:sp>
-      </p:grpSp>
-      <p:grpSp>
-        <p:nvGrpSpPr>
-          <p:cNvPr id="27" name="Group 26"/>
-          <p:cNvGrpSpPr/>
-          <p:nvPr/>
-        </p:nvGrpSpPr>
-        <p:grpSpPr>
-          <a:xfrm>
-            <a:off x="8951085" y="1697062"/>
-            <a:ext cx="3176858" cy="3036704"/>
-            <a:chOff x="8732837" y="1305362"/>
-            <a:chExt cx="3395106" cy="3245324"/>
-          </a:xfrm>
-        </p:grpSpPr>
-        <p:pic>
-          <p:nvPicPr>
-            <p:cNvPr id="19" name="Picture 18"/>
-            <p:cNvPicPr>
-              <a:picLocks noChangeAspect="1"/>
-            </p:cNvPicPr>
-            <p:nvPr/>
-          </p:nvPicPr>
-          <p:blipFill>
-            <a:blip r:embed="rId6"/>
-            <a:stretch>
-              <a:fillRect/>
-            </a:stretch>
-          </p:blipFill>
-          <p:spPr>
-            <a:xfrm>
-              <a:off x="8732837" y="1305362"/>
-              <a:ext cx="3395106" cy="3242129"/>
-            </a:xfrm>
-            <a:prstGeom prst="rect">
-              <a:avLst/>
-            </a:prstGeom>
-          </p:spPr>
-        </p:pic>
-        <p:sp>
-          <p:nvSpPr>
-            <p:cNvPr id="25" name="Rectangle 24"/>
-            <p:cNvSpPr/>
-            <p:nvPr/>
-          </p:nvSpPr>
-          <p:spPr bwMode="auto">
-            <a:xfrm>
-              <a:off x="11763109" y="4363330"/>
-              <a:ext cx="331384" cy="187356"/>
-            </a:xfrm>
-            <a:prstGeom prst="rect">
-              <a:avLst/>
-            </a:prstGeom>
-            <a:solidFill>
-              <a:schemeClr val="bg1"/>
-            </a:solidFill>
-            <a:ln>
-              <a:noFill/>
-              <a:headEnd type="none" w="med" len="med"/>
-              <a:tailEnd type="none" w="med" len="med"/>
-            </a:ln>
-          </p:spPr>
-          <p:style>
-            <a:lnRef idx="2">
-              <a:schemeClr val="accent1">
-                <a:shade val="50000"/>
-              </a:schemeClr>
-            </a:lnRef>
-            <a:fillRef idx="1">
-              <a:schemeClr val="accent1"/>
-            </a:fillRef>
-            <a:effectRef idx="0">
-              <a:schemeClr val="accent1"/>
-            </a:effectRef>
-            <a:fontRef idx="minor">
-              <a:schemeClr val="lt1"/>
-            </a:fontRef>
-          </p:style>
-          <p:txBody>
-            <a:bodyPr vert="horz" wrap="square" lIns="0" tIns="46637" rIns="0" bIns="46637" numCol="1" rtlCol="0" anchor="ctr" anchorCtr="0" compatLnSpc="1">
-              <a:prstTxWarp prst="textNoShape">
-                <a:avLst/>
-              </a:prstTxWarp>
-            </a:bodyPr>
-            <a:lstStyle/>
-            <a:p>
-              <a:pPr algn="ctr" defTabSz="932472" fontAlgn="base">
-                <a:spcBef>
-                  <a:spcPct val="0"/>
-                </a:spcBef>
-                <a:spcAft>
-                  <a:spcPct val="0"/>
-                </a:spcAft>
-              </a:pPr>
-              <a:endParaRPr lang="en-US" sz="2000" dirty="0">
-                <a:gradFill>
-                  <a:gsLst>
-                    <a:gs pos="5439">
-                      <a:srgbClr val="F8F8F8"/>
-                    </a:gs>
-                    <a:gs pos="10000">
-                      <a:srgbClr val="F8F8F8"/>
-                    </a:gs>
-                  </a:gsLst>
-                  <a:lin ang="5400000" scaled="0"/>
-                </a:gradFill>
-              </a:endParaRPr>
-            </a:p>
-          </p:txBody>
-        </p:sp>
-      </p:grpSp>
       <p:sp>
         <p:nvSpPr>
           <p:cNvPr id="29" name="Rectangle 28"/>
@@ -21717,7 +21435,7 @@
         </p:nvSpPr>
         <p:spPr>
           <a:xfrm>
-            <a:off x="720391" y="5117846"/>
+            <a:off x="435930" y="4732193"/>
             <a:ext cx="3443590" cy="757130"/>
           </a:xfrm>
           <a:prstGeom prst="rect">
@@ -21759,7 +21477,7 @@
         </p:nvSpPr>
         <p:spPr>
           <a:xfrm>
-            <a:off x="5020515" y="5110758"/>
+            <a:off x="4515508" y="4740131"/>
             <a:ext cx="3443590" cy="757130"/>
           </a:xfrm>
           <a:prstGeom prst="rect">
@@ -21801,7 +21519,7 @@
         </p:nvSpPr>
         <p:spPr>
           <a:xfrm>
-            <a:off x="8817719" y="5118696"/>
+            <a:off x="8595086" y="4740131"/>
             <a:ext cx="3443590" cy="757130"/>
           </a:xfrm>
           <a:prstGeom prst="rect">
@@ -21857,6 +21575,96 @@
           </a:p>
         </p:txBody>
       </p:sp>
+      <p:pic>
+        <p:nvPicPr>
+          <p:cNvPr id="15" name="Picture 14">
+            <a:extLst>
+              <a:ext uri="{FF2B5EF4-FFF2-40B4-BE49-F238E27FC236}">
+                <a16:creationId xmlns:a16="http://schemas.microsoft.com/office/drawing/2014/main" id="{2326E402-F5E2-4C34-98FD-FEBCD94D485E}"/>
+              </a:ext>
+            </a:extLst>
+          </p:cNvPr>
+          <p:cNvPicPr>
+            <a:picLocks noChangeAspect="1"/>
+          </p:cNvPicPr>
+          <p:nvPr/>
+        </p:nvPicPr>
+        <p:blipFill>
+          <a:blip r:embed="rId3"/>
+          <a:stretch>
+            <a:fillRect/>
+          </a:stretch>
+        </p:blipFill>
+        <p:spPr>
+          <a:xfrm>
+            <a:off x="340649" y="1697061"/>
+            <a:ext cx="3634152" cy="2671001"/>
+          </a:xfrm>
+          <a:prstGeom prst="rect">
+            <a:avLst/>
+          </a:prstGeom>
+        </p:spPr>
+      </p:pic>
+      <p:pic>
+        <p:nvPicPr>
+          <p:cNvPr id="16" name="Picture 15">
+            <a:extLst>
+              <a:ext uri="{FF2B5EF4-FFF2-40B4-BE49-F238E27FC236}">
+                <a16:creationId xmlns:a16="http://schemas.microsoft.com/office/drawing/2014/main" id="{D0128CFE-1F5B-43E8-AEB5-EBA8ACA13C0D}"/>
+              </a:ext>
+            </a:extLst>
+          </p:cNvPr>
+          <p:cNvPicPr>
+            <a:picLocks noChangeAspect="1"/>
+          </p:cNvPicPr>
+          <p:nvPr/>
+        </p:nvPicPr>
+        <p:blipFill>
+          <a:blip r:embed="rId4"/>
+          <a:stretch>
+            <a:fillRect/>
+          </a:stretch>
+        </p:blipFill>
+        <p:spPr>
+          <a:xfrm>
+            <a:off x="4420241" y="1705241"/>
+            <a:ext cx="3634125" cy="2662822"/>
+          </a:xfrm>
+          <a:prstGeom prst="rect">
+            <a:avLst/>
+          </a:prstGeom>
+        </p:spPr>
+      </p:pic>
+      <p:pic>
+        <p:nvPicPr>
+          <p:cNvPr id="17" name="Picture 16">
+            <a:extLst>
+              <a:ext uri="{FF2B5EF4-FFF2-40B4-BE49-F238E27FC236}">
+                <a16:creationId xmlns:a16="http://schemas.microsoft.com/office/drawing/2014/main" id="{8F4C3ABA-97C3-4732-AE90-AB8C944362D3}"/>
+              </a:ext>
+            </a:extLst>
+          </p:cNvPr>
+          <p:cNvPicPr>
+            <a:picLocks noChangeAspect="1"/>
+          </p:cNvPicPr>
+          <p:nvPr/>
+        </p:nvPicPr>
+        <p:blipFill>
+          <a:blip r:embed="rId5"/>
+          <a:stretch>
+            <a:fillRect/>
+          </a:stretch>
+        </p:blipFill>
+        <p:spPr>
+          <a:xfrm>
+            <a:off x="8464105" y="1689369"/>
+            <a:ext cx="3631721" cy="2662823"/>
+          </a:xfrm>
+          <a:prstGeom prst="rect">
+            <a:avLst/>
+          </a:prstGeom>
+        </p:spPr>
+      </p:pic>
     </p:spTree>
     <p:extLst>
       <p:ext uri="{BB962C8B-B14F-4D97-AF65-F5344CB8AC3E}">
@@ -21969,7 +21777,7 @@
                             </p:stCondLst>
                             <p:childTnLst>
                               <p:par>
-                                <p:cTn id="11" presetID="10" presetClass="entr" presetSubtype="0" fill="hold" nodeType="afterEffect">
+                                <p:cTn id="11" presetID="10" presetClass="entr" presetSubtype="0" fill="hold" grpId="0" nodeType="afterEffect">
                                   <p:stCondLst>
                                     <p:cond delay="0"/>
                                   </p:stCondLst>
@@ -21982,7 +21790,7 @@
                                           </p:stCondLst>
                                         </p:cTn>
                                         <p:tgtEl>
-                                          <p:spTgt spid="26"/>
+                                          <p:spTgt spid="29"/>
                                         </p:tgtEl>
                                         <p:attrNameLst>
                                           <p:attrName>style.visibility</p:attrName>
@@ -21996,7 +21804,7 @@
                                       <p:cBhvr>
                                         <p:cTn id="13" dur="500"/>
                                         <p:tgtEl>
-                                          <p:spTgt spid="26"/>
+                                          <p:spTgt spid="29"/>
                                         </p:tgtEl>
                                       </p:cBhvr>
                                     </p:animEffect>
@@ -22004,7 +21812,7 @@
                                 </p:cTn>
                               </p:par>
                               <p:par>
-                                <p:cTn id="14" presetID="2" presetClass="entr" presetSubtype="1" accel="5000" decel="5000" fill="hold" nodeType="withEffect">
+                                <p:cTn id="14" presetID="2" presetClass="entr" presetSubtype="4" accel="5000" decel="5000" fill="hold" grpId="1" nodeType="withEffect">
                                   <p:stCondLst>
                                     <p:cond delay="0"/>
                                   </p:stCondLst>
@@ -22017,7 +21825,7 @@
                                           </p:stCondLst>
                                         </p:cTn>
                                         <p:tgtEl>
-                                          <p:spTgt spid="26"/>
+                                          <p:spTgt spid="29"/>
                                         </p:tgtEl>
                                         <p:attrNameLst>
                                           <p:attrName>style.visibility</p:attrName>
@@ -22031,7 +21839,7 @@
                                       <p:cBhvr additive="base">
                                         <p:cTn id="16" dur="500" fill="hold"/>
                                         <p:tgtEl>
-                                          <p:spTgt spid="26"/>
+                                          <p:spTgt spid="29"/>
                                         </p:tgtEl>
                                         <p:attrNameLst>
                                           <p:attrName>ppt_x</p:attrName>
@@ -22054,7 +21862,7 @@
                                       <p:cBhvr additive="base">
                                         <p:cTn id="17" dur="500" fill="hold"/>
                                         <p:tgtEl>
-                                          <p:spTgt spid="26"/>
+                                          <p:spTgt spid="29"/>
                                         </p:tgtEl>
                                         <p:attrNameLst>
                                           <p:attrName>ppt_y</p:attrName>
@@ -22063,7 +21871,7 @@
                                       <p:tavLst>
                                         <p:tav tm="0">
                                           <p:val>
-                                            <p:strVal val="0-#ppt_h/2"/>
+                                            <p:strVal val="1+#ppt_h/2"/>
                                           </p:val>
                                         </p:tav>
                                         <p:tav tm="100000">
@@ -22099,7 +21907,7 @@
                                           </p:stCondLst>
                                         </p:cTn>
                                         <p:tgtEl>
-                                          <p:spTgt spid="29"/>
+                                          <p:spTgt spid="30"/>
                                         </p:tgtEl>
                                         <p:attrNameLst>
                                           <p:attrName>style.visibility</p:attrName>
@@ -22113,7 +21921,7 @@
                                       <p:cBhvr>
                                         <p:cTn id="21" dur="500"/>
                                         <p:tgtEl>
-                                          <p:spTgt spid="29"/>
+                                          <p:spTgt spid="30"/>
                                         </p:tgtEl>
                                       </p:cBhvr>
                                     </p:animEffect>
@@ -22134,7 +21942,7 @@
                                           </p:stCondLst>
                                         </p:cTn>
                                         <p:tgtEl>
-                                          <p:spTgt spid="29"/>
+                                          <p:spTgt spid="30"/>
                                         </p:tgtEl>
                                         <p:attrNameLst>
                                           <p:attrName>style.visibility</p:attrName>
@@ -22148,7 +21956,7 @@
                                       <p:cBhvr additive="base">
                                         <p:cTn id="24" dur="500" fill="hold"/>
                                         <p:tgtEl>
-                                          <p:spTgt spid="29"/>
+                                          <p:spTgt spid="30"/>
                                         </p:tgtEl>
                                         <p:attrNameLst>
                                           <p:attrName>ppt_x</p:attrName>
@@ -22171,7 +21979,7 @@
                                       <p:cBhvr additive="base">
                                         <p:cTn id="25" dur="500" fill="hold"/>
                                         <p:tgtEl>
-                                          <p:spTgt spid="29"/>
+                                          <p:spTgt spid="30"/>
                                         </p:tgtEl>
                                         <p:attrNameLst>
                                           <p:attrName>ppt_y</p:attrName>
@@ -22203,7 +22011,7 @@
                             </p:stCondLst>
                             <p:childTnLst>
                               <p:par>
-                                <p:cTn id="27" presetID="10" presetClass="entr" presetSubtype="0" fill="hold" nodeType="afterEffect">
+                                <p:cTn id="27" presetID="10" presetClass="entr" presetSubtype="0" fill="hold" grpId="0" nodeType="afterEffect">
                                   <p:stCondLst>
                                     <p:cond delay="0"/>
                                   </p:stCondLst>
@@ -22211,357 +22019,6 @@
                                     <p:set>
                                       <p:cBhvr>
                                         <p:cTn id="28" dur="1" fill="hold">
-                                          <p:stCondLst>
-                                            <p:cond delay="0"/>
-                                          </p:stCondLst>
-                                        </p:cTn>
-                                        <p:tgtEl>
-                                          <p:spTgt spid="21"/>
-                                        </p:tgtEl>
-                                        <p:attrNameLst>
-                                          <p:attrName>style.visibility</p:attrName>
-                                        </p:attrNameLst>
-                                      </p:cBhvr>
-                                      <p:to>
-                                        <p:strVal val="visible"/>
-                                      </p:to>
-                                    </p:set>
-                                    <p:animEffect transition="in" filter="fade">
-                                      <p:cBhvr>
-                                        <p:cTn id="29" dur="500"/>
-                                        <p:tgtEl>
-                                          <p:spTgt spid="21"/>
-                                        </p:tgtEl>
-                                      </p:cBhvr>
-                                    </p:animEffect>
-                                  </p:childTnLst>
-                                </p:cTn>
-                              </p:par>
-                              <p:par>
-                                <p:cTn id="30" presetID="2" presetClass="entr" presetSubtype="1" accel="5000" decel="5000" fill="hold" nodeType="withEffect">
-                                  <p:stCondLst>
-                                    <p:cond delay="0"/>
-                                  </p:stCondLst>
-                                  <p:childTnLst>
-                                    <p:set>
-                                      <p:cBhvr>
-                                        <p:cTn id="31" dur="1" fill="hold">
-                                          <p:stCondLst>
-                                            <p:cond delay="0"/>
-                                          </p:stCondLst>
-                                        </p:cTn>
-                                        <p:tgtEl>
-                                          <p:spTgt spid="21"/>
-                                        </p:tgtEl>
-                                        <p:attrNameLst>
-                                          <p:attrName>style.visibility</p:attrName>
-                                        </p:attrNameLst>
-                                      </p:cBhvr>
-                                      <p:to>
-                                        <p:strVal val="visible"/>
-                                      </p:to>
-                                    </p:set>
-                                    <p:anim calcmode="lin" valueType="num">
-                                      <p:cBhvr additive="base">
-                                        <p:cTn id="32" dur="500" fill="hold"/>
-                                        <p:tgtEl>
-                                          <p:spTgt spid="21"/>
-                                        </p:tgtEl>
-                                        <p:attrNameLst>
-                                          <p:attrName>ppt_x</p:attrName>
-                                        </p:attrNameLst>
-                                      </p:cBhvr>
-                                      <p:tavLst>
-                                        <p:tav tm="0">
-                                          <p:val>
-                                            <p:strVal val="#ppt_x"/>
-                                          </p:val>
-                                        </p:tav>
-                                        <p:tav tm="100000">
-                                          <p:val>
-                                            <p:strVal val="#ppt_x"/>
-                                          </p:val>
-                                        </p:tav>
-                                      </p:tavLst>
-                                    </p:anim>
-                                    <p:anim calcmode="lin" valueType="num">
-                                      <p:cBhvr additive="base">
-                                        <p:cTn id="33" dur="500" fill="hold"/>
-                                        <p:tgtEl>
-                                          <p:spTgt spid="21"/>
-                                        </p:tgtEl>
-                                        <p:attrNameLst>
-                                          <p:attrName>ppt_y</p:attrName>
-                                        </p:attrNameLst>
-                                      </p:cBhvr>
-                                      <p:tavLst>
-                                        <p:tav tm="0">
-                                          <p:val>
-                                            <p:strVal val="0-#ppt_h/2"/>
-                                          </p:val>
-                                        </p:tav>
-                                        <p:tav tm="100000">
-                                          <p:val>
-                                            <p:strVal val="#ppt_y"/>
-                                          </p:val>
-                                        </p:tav>
-                                      </p:tavLst>
-                                    </p:anim>
-                                  </p:childTnLst>
-                                </p:cTn>
-                              </p:par>
-                            </p:childTnLst>
-                          </p:cTn>
-                        </p:par>
-                        <p:par>
-                          <p:cTn id="34" fill="hold">
-                            <p:stCondLst>
-                              <p:cond delay="2000"/>
-                            </p:stCondLst>
-                            <p:childTnLst>
-                              <p:par>
-                                <p:cTn id="35" presetID="10" presetClass="entr" presetSubtype="0" fill="hold" grpId="0" nodeType="afterEffect">
-                                  <p:stCondLst>
-                                    <p:cond delay="0"/>
-                                  </p:stCondLst>
-                                  <p:childTnLst>
-                                    <p:set>
-                                      <p:cBhvr>
-                                        <p:cTn id="36" dur="1" fill="hold">
-                                          <p:stCondLst>
-                                            <p:cond delay="0"/>
-                                          </p:stCondLst>
-                                        </p:cTn>
-                                        <p:tgtEl>
-                                          <p:spTgt spid="30"/>
-                                        </p:tgtEl>
-                                        <p:attrNameLst>
-                                          <p:attrName>style.visibility</p:attrName>
-                                        </p:attrNameLst>
-                                      </p:cBhvr>
-                                      <p:to>
-                                        <p:strVal val="visible"/>
-                                      </p:to>
-                                    </p:set>
-                                    <p:animEffect transition="in" filter="fade">
-                                      <p:cBhvr>
-                                        <p:cTn id="37" dur="500"/>
-                                        <p:tgtEl>
-                                          <p:spTgt spid="30"/>
-                                        </p:tgtEl>
-                                      </p:cBhvr>
-                                    </p:animEffect>
-                                  </p:childTnLst>
-                                </p:cTn>
-                              </p:par>
-                              <p:par>
-                                <p:cTn id="38" presetID="2" presetClass="entr" presetSubtype="4" accel="5000" decel="5000" fill="hold" grpId="1" nodeType="withEffect">
-                                  <p:stCondLst>
-                                    <p:cond delay="0"/>
-                                  </p:stCondLst>
-                                  <p:childTnLst>
-                                    <p:set>
-                                      <p:cBhvr>
-                                        <p:cTn id="39" dur="1" fill="hold">
-                                          <p:stCondLst>
-                                            <p:cond delay="0"/>
-                                          </p:stCondLst>
-                                        </p:cTn>
-                                        <p:tgtEl>
-                                          <p:spTgt spid="30"/>
-                                        </p:tgtEl>
-                                        <p:attrNameLst>
-                                          <p:attrName>style.visibility</p:attrName>
-                                        </p:attrNameLst>
-                                      </p:cBhvr>
-                                      <p:to>
-                                        <p:strVal val="visible"/>
-                                      </p:to>
-                                    </p:set>
-                                    <p:anim calcmode="lin" valueType="num">
-                                      <p:cBhvr additive="base">
-                                        <p:cTn id="40" dur="500" fill="hold"/>
-                                        <p:tgtEl>
-                                          <p:spTgt spid="30"/>
-                                        </p:tgtEl>
-                                        <p:attrNameLst>
-                                          <p:attrName>ppt_x</p:attrName>
-                                        </p:attrNameLst>
-                                      </p:cBhvr>
-                                      <p:tavLst>
-                                        <p:tav tm="0">
-                                          <p:val>
-                                            <p:strVal val="#ppt_x"/>
-                                          </p:val>
-                                        </p:tav>
-                                        <p:tav tm="100000">
-                                          <p:val>
-                                            <p:strVal val="#ppt_x"/>
-                                          </p:val>
-                                        </p:tav>
-                                      </p:tavLst>
-                                    </p:anim>
-                                    <p:anim calcmode="lin" valueType="num">
-                                      <p:cBhvr additive="base">
-                                        <p:cTn id="41" dur="500" fill="hold"/>
-                                        <p:tgtEl>
-                                          <p:spTgt spid="30"/>
-                                        </p:tgtEl>
-                                        <p:attrNameLst>
-                                          <p:attrName>ppt_y</p:attrName>
-                                        </p:attrNameLst>
-                                      </p:cBhvr>
-                                      <p:tavLst>
-                                        <p:tav tm="0">
-                                          <p:val>
-                                            <p:strVal val="1+#ppt_h/2"/>
-                                          </p:val>
-                                        </p:tav>
-                                        <p:tav tm="100000">
-                                          <p:val>
-                                            <p:strVal val="#ppt_y"/>
-                                          </p:val>
-                                        </p:tav>
-                                      </p:tavLst>
-                                    </p:anim>
-                                  </p:childTnLst>
-                                </p:cTn>
-                              </p:par>
-                            </p:childTnLst>
-                          </p:cTn>
-                        </p:par>
-                        <p:par>
-                          <p:cTn id="42" fill="hold">
-                            <p:stCondLst>
-                              <p:cond delay="2500"/>
-                            </p:stCondLst>
-                            <p:childTnLst>
-                              <p:par>
-                                <p:cTn id="43" presetID="10" presetClass="entr" presetSubtype="0" fill="hold" nodeType="afterEffect">
-                                  <p:stCondLst>
-                                    <p:cond delay="0"/>
-                                  </p:stCondLst>
-                                  <p:childTnLst>
-                                    <p:set>
-                                      <p:cBhvr>
-                                        <p:cTn id="44" dur="1" fill="hold">
-                                          <p:stCondLst>
-                                            <p:cond delay="0"/>
-                                          </p:stCondLst>
-                                        </p:cTn>
-                                        <p:tgtEl>
-                                          <p:spTgt spid="27"/>
-                                        </p:tgtEl>
-                                        <p:attrNameLst>
-                                          <p:attrName>style.visibility</p:attrName>
-                                        </p:attrNameLst>
-                                      </p:cBhvr>
-                                      <p:to>
-                                        <p:strVal val="visible"/>
-                                      </p:to>
-                                    </p:set>
-                                    <p:animEffect transition="in" filter="fade">
-                                      <p:cBhvr>
-                                        <p:cTn id="45" dur="500"/>
-                                        <p:tgtEl>
-                                          <p:spTgt spid="27"/>
-                                        </p:tgtEl>
-                                      </p:cBhvr>
-                                    </p:animEffect>
-                                  </p:childTnLst>
-                                </p:cTn>
-                              </p:par>
-                              <p:par>
-                                <p:cTn id="46" presetID="2" presetClass="entr" presetSubtype="1" accel="5000" decel="5000" fill="hold" nodeType="withEffect">
-                                  <p:stCondLst>
-                                    <p:cond delay="0"/>
-                                  </p:stCondLst>
-                                  <p:childTnLst>
-                                    <p:set>
-                                      <p:cBhvr>
-                                        <p:cTn id="47" dur="1" fill="hold">
-                                          <p:stCondLst>
-                                            <p:cond delay="0"/>
-                                          </p:stCondLst>
-                                        </p:cTn>
-                                        <p:tgtEl>
-                                          <p:spTgt spid="27"/>
-                                        </p:tgtEl>
-                                        <p:attrNameLst>
-                                          <p:attrName>style.visibility</p:attrName>
-                                        </p:attrNameLst>
-                                      </p:cBhvr>
-                                      <p:to>
-                                        <p:strVal val="visible"/>
-                                      </p:to>
-                                    </p:set>
-                                    <p:anim calcmode="lin" valueType="num">
-                                      <p:cBhvr additive="base">
-                                        <p:cTn id="48" dur="500" fill="hold"/>
-                                        <p:tgtEl>
-                                          <p:spTgt spid="27"/>
-                                        </p:tgtEl>
-                                        <p:attrNameLst>
-                                          <p:attrName>ppt_x</p:attrName>
-                                        </p:attrNameLst>
-                                      </p:cBhvr>
-                                      <p:tavLst>
-                                        <p:tav tm="0">
-                                          <p:val>
-                                            <p:strVal val="#ppt_x"/>
-                                          </p:val>
-                                        </p:tav>
-                                        <p:tav tm="100000">
-                                          <p:val>
-                                            <p:strVal val="#ppt_x"/>
-                                          </p:val>
-                                        </p:tav>
-                                      </p:tavLst>
-                                    </p:anim>
-                                    <p:anim calcmode="lin" valueType="num">
-                                      <p:cBhvr additive="base">
-                                        <p:cTn id="49" dur="500" fill="hold"/>
-                                        <p:tgtEl>
-                                          <p:spTgt spid="27"/>
-                                        </p:tgtEl>
-                                        <p:attrNameLst>
-                                          <p:attrName>ppt_y</p:attrName>
-                                        </p:attrNameLst>
-                                      </p:cBhvr>
-                                      <p:tavLst>
-                                        <p:tav tm="0">
-                                          <p:val>
-                                            <p:strVal val="0-#ppt_h/2"/>
-                                          </p:val>
-                                        </p:tav>
-                                        <p:tav tm="100000">
-                                          <p:val>
-                                            <p:strVal val="#ppt_y"/>
-                                          </p:val>
-                                        </p:tav>
-                                      </p:tavLst>
-                                    </p:anim>
-                                  </p:childTnLst>
-                                </p:cTn>
-                              </p:par>
-                            </p:childTnLst>
-                          </p:cTn>
-                        </p:par>
-                        <p:par>
-                          <p:cTn id="50" fill="hold">
-                            <p:stCondLst>
-                              <p:cond delay="3000"/>
-                            </p:stCondLst>
-                            <p:childTnLst>
-                              <p:par>
-                                <p:cTn id="51" presetID="10" presetClass="entr" presetSubtype="0" fill="hold" grpId="0" nodeType="afterEffect">
-                                  <p:stCondLst>
-                                    <p:cond delay="0"/>
-                                  </p:stCondLst>
-                                  <p:childTnLst>
-                                    <p:set>
-                                      <p:cBhvr>
-                                        <p:cTn id="52" dur="1" fill="hold">
                                           <p:stCondLst>
                                             <p:cond delay="0"/>
                                           </p:stCondLst>
@@ -22579,7 +22036,7 @@
                                     </p:set>
                                     <p:animEffect transition="in" filter="fade">
                                       <p:cBhvr>
-                                        <p:cTn id="53" dur="500"/>
+                                        <p:cTn id="29" dur="500"/>
                                         <p:tgtEl>
                                           <p:spTgt spid="31"/>
                                         </p:tgtEl>
@@ -22589,14 +22046,14 @@
                                 </p:cTn>
                               </p:par>
                               <p:par>
-                                <p:cTn id="54" presetID="2" presetClass="entr" presetSubtype="4" accel="5000" decel="5000" fill="hold" grpId="1" nodeType="withEffect">
+                                <p:cTn id="30" presetID="2" presetClass="entr" presetSubtype="4" accel="5000" decel="5000" fill="hold" grpId="1" nodeType="withEffect">
                                   <p:stCondLst>
                                     <p:cond delay="0"/>
                                   </p:stCondLst>
                                   <p:childTnLst>
                                     <p:set>
                                       <p:cBhvr>
-                                        <p:cTn id="55" dur="1" fill="hold">
+                                        <p:cTn id="31" dur="1" fill="hold">
                                           <p:stCondLst>
                                             <p:cond delay="0"/>
                                           </p:stCondLst>
@@ -22614,7 +22071,7 @@
                                     </p:set>
                                     <p:anim calcmode="lin" valueType="num">
                                       <p:cBhvr additive="base">
-                                        <p:cTn id="56" dur="500" fill="hold"/>
+                                        <p:cTn id="32" dur="500" fill="hold"/>
                                         <p:tgtEl>
                                           <p:spTgt spid="31"/>
                                         </p:tgtEl>
@@ -22637,7 +22094,7 @@
                                     </p:anim>
                                     <p:anim calcmode="lin" valueType="num">
                                       <p:cBhvr additive="base">
-                                        <p:cTn id="57" dur="500" fill="hold"/>
+                                        <p:cTn id="33" dur="500" fill="hold"/>
                                         <p:tgtEl>
                                           <p:spTgt spid="31"/>
                                         </p:tgtEl>
@@ -24094,10 +23551,10 @@
       </p:sp>
       <p:pic>
         <p:nvPicPr>
-          <p:cNvPr id="6" name="Picture 5" descr="Graphical user interface, text, application&#10;&#10;Description automatically generated">
+          <p:cNvPr id="5" name="Picture 4" descr="Graphical user interface, application&#10;&#10;Description automatically generated">
             <a:extLst>
               <a:ext uri="{FF2B5EF4-FFF2-40B4-BE49-F238E27FC236}">
-                <a16:creationId xmlns:a16="http://schemas.microsoft.com/office/drawing/2014/main" id="{983B1236-D776-4142-B9A0-47AB5D9EBA4D}"/>
+                <a16:creationId xmlns:a16="http://schemas.microsoft.com/office/drawing/2014/main" id="{93DED375-923F-405C-90B1-DEF136ABCA66}"/>
               </a:ext>
             </a:extLst>
           </p:cNvPr>
@@ -24114,8 +23571,8 @@
         </p:blipFill>
         <p:spPr>
           <a:xfrm>
-            <a:off x="8769356" y="1212849"/>
-            <a:ext cx="3202719" cy="5148075"/>
+            <a:off x="8769355" y="1212849"/>
+            <a:ext cx="2648287" cy="5319274"/>
           </a:xfrm>
           <a:prstGeom prst="rect">
             <a:avLst/>
@@ -24249,10 +23706,10 @@
       </p:sp>
       <p:pic>
         <p:nvPicPr>
-          <p:cNvPr id="4" name="Picture 3">
+          <p:cNvPr id="5" name="Picture 4">
             <a:extLst>
               <a:ext uri="{FF2B5EF4-FFF2-40B4-BE49-F238E27FC236}">
-                <a16:creationId xmlns:a16="http://schemas.microsoft.com/office/drawing/2014/main" id="{9B5D5DBD-2780-2642-83CF-E78C9A8A9C1F}"/>
+                <a16:creationId xmlns:a16="http://schemas.microsoft.com/office/drawing/2014/main" id="{B8A09DFC-3518-BB4C-B72D-9C67C0DECB64}"/>
               </a:ext>
             </a:extLst>
           </p:cNvPr>
@@ -24269,20 +23726,27 @@
         </p:blipFill>
         <p:spPr>
           <a:xfrm>
-            <a:off x="7674523" y="1212850"/>
-            <a:ext cx="4546600" cy="3911600"/>
+            <a:off x="465138" y="4918075"/>
+            <a:ext cx="6832600" cy="1765300"/>
           </a:xfrm>
           <a:prstGeom prst="rect">
             <a:avLst/>
           </a:prstGeom>
+          <a:ln>
+            <a:solidFill>
+              <a:schemeClr val="bg2">
+                <a:lumMod val="65000"/>
+              </a:schemeClr>
+            </a:solidFill>
+          </a:ln>
         </p:spPr>
       </p:pic>
       <p:pic>
         <p:nvPicPr>
-          <p:cNvPr id="5" name="Picture 4">
+          <p:cNvPr id="11" name="Picture 10">
             <a:extLst>
               <a:ext uri="{FF2B5EF4-FFF2-40B4-BE49-F238E27FC236}">
-                <a16:creationId xmlns:a16="http://schemas.microsoft.com/office/drawing/2014/main" id="{B8A09DFC-3518-BB4C-B72D-9C67C0DECB64}"/>
+                <a16:creationId xmlns:a16="http://schemas.microsoft.com/office/drawing/2014/main" id="{5273529E-D684-45BA-9DC3-E09C687FB759}"/>
               </a:ext>
             </a:extLst>
           </p:cNvPr>
@@ -24299,8 +23763,8 @@
         </p:blipFill>
         <p:spPr>
           <a:xfrm>
-            <a:off x="465138" y="4918075"/>
-            <a:ext cx="6832600" cy="1765300"/>
+            <a:off x="8481020" y="498414"/>
+            <a:ext cx="2986050" cy="5997696"/>
           </a:xfrm>
           <a:prstGeom prst="rect">
             <a:avLst/>
@@ -24416,10 +23880,10 @@
       </p:sp>
       <p:pic>
         <p:nvPicPr>
-          <p:cNvPr id="7" name="Picture 6">
+          <p:cNvPr id="5" name="Picture 4">
             <a:extLst>
               <a:ext uri="{FF2B5EF4-FFF2-40B4-BE49-F238E27FC236}">
-                <a16:creationId xmlns:a16="http://schemas.microsoft.com/office/drawing/2014/main" id="{6DFC9E13-4DB9-854D-AE1E-3BCB02771385}"/>
+                <a16:creationId xmlns:a16="http://schemas.microsoft.com/office/drawing/2014/main" id="{FC5D0C46-FA7B-4E37-9E1C-A315D5625A77}"/>
               </a:ext>
             </a:extLst>
           </p:cNvPr>
@@ -24436,8 +23900,8 @@
         </p:blipFill>
         <p:spPr>
           <a:xfrm>
-            <a:off x="7154990" y="1896114"/>
-            <a:ext cx="4878951" cy="3648963"/>
+            <a:off x="8159744" y="711815"/>
+            <a:ext cx="2986051" cy="5997697"/>
           </a:xfrm>
           <a:prstGeom prst="rect">
             <a:avLst/>
@@ -24698,10 +24162,10 @@
       </p:sp>
       <p:pic>
         <p:nvPicPr>
-          <p:cNvPr id="6" name="Picture 5">
+          <p:cNvPr id="7" name="Picture 6">
             <a:extLst>
               <a:ext uri="{FF2B5EF4-FFF2-40B4-BE49-F238E27FC236}">
-                <a16:creationId xmlns:a16="http://schemas.microsoft.com/office/drawing/2014/main" id="{983C3466-8909-8349-925C-BABD4CE44AFF}"/>
+                <a16:creationId xmlns:a16="http://schemas.microsoft.com/office/drawing/2014/main" id="{5542F509-B63A-4790-A094-A752E957F1E1}"/>
               </a:ext>
             </a:extLst>
           </p:cNvPr>
@@ -24718,8 +24182,8 @@
         </p:blipFill>
         <p:spPr>
           <a:xfrm>
-            <a:off x="847034" y="1870477"/>
-            <a:ext cx="7328456" cy="4689230"/>
+            <a:off x="8558124" y="606424"/>
+            <a:ext cx="2878501" cy="5781675"/>
           </a:xfrm>
           <a:prstGeom prst="rect">
             <a:avLst/>
@@ -24728,10 +24192,10 @@
       </p:pic>
       <p:pic>
         <p:nvPicPr>
-          <p:cNvPr id="5" name="Picture 4">
+          <p:cNvPr id="9" name="Picture 8">
             <a:extLst>
               <a:ext uri="{FF2B5EF4-FFF2-40B4-BE49-F238E27FC236}">
-                <a16:creationId xmlns:a16="http://schemas.microsoft.com/office/drawing/2014/main" id="{A5A1C10A-CDA1-6A47-9CB2-F74BB90558C6}"/>
+                <a16:creationId xmlns:a16="http://schemas.microsoft.com/office/drawing/2014/main" id="{52C2D004-3FA0-4FC9-B1DC-FEF8DEA3BFDB}"/>
               </a:ext>
             </a:extLst>
           </p:cNvPr>
@@ -24748,8 +24212,8 @@
         </p:blipFill>
         <p:spPr>
           <a:xfrm>
-            <a:off x="7555300" y="2562361"/>
-            <a:ext cx="4483100" cy="2971800"/>
+            <a:off x="464400" y="1988771"/>
+            <a:ext cx="7850193" cy="3792904"/>
           </a:xfrm>
           <a:prstGeom prst="rect">
             <a:avLst/>
@@ -24841,10 +24305,10 @@
       </p:sp>
       <p:pic>
         <p:nvPicPr>
-          <p:cNvPr id="6" name="Picture 5">
+          <p:cNvPr id="8" name="Picture 7">
             <a:extLst>
               <a:ext uri="{FF2B5EF4-FFF2-40B4-BE49-F238E27FC236}">
-                <a16:creationId xmlns:a16="http://schemas.microsoft.com/office/drawing/2014/main" id="{4F9F8B28-9D18-9E46-B13A-0834F650585B}"/>
+                <a16:creationId xmlns:a16="http://schemas.microsoft.com/office/drawing/2014/main" id="{13E8BBBD-1A91-F646-8732-7DB8EC40CA2E}"/>
               </a:ext>
             </a:extLst>
           </p:cNvPr>
@@ -24861,8 +24325,8 @@
         </p:blipFill>
         <p:spPr>
           <a:xfrm>
-            <a:off x="813192" y="2800977"/>
-            <a:ext cx="4495800" cy="3162300"/>
+            <a:off x="5402413" y="2779433"/>
+            <a:ext cx="6907996" cy="3931910"/>
           </a:xfrm>
           <a:prstGeom prst="rect">
             <a:avLst/>
@@ -24871,10 +24335,10 @@
       </p:pic>
       <p:pic>
         <p:nvPicPr>
-          <p:cNvPr id="8" name="Picture 7">
+          <p:cNvPr id="11" name="Picture 10">
             <a:extLst>
               <a:ext uri="{FF2B5EF4-FFF2-40B4-BE49-F238E27FC236}">
-                <a16:creationId xmlns:a16="http://schemas.microsoft.com/office/drawing/2014/main" id="{13E8BBBD-1A91-F646-8732-7DB8EC40CA2E}"/>
+                <a16:creationId xmlns:a16="http://schemas.microsoft.com/office/drawing/2014/main" id="{511F48A5-09B5-4B93-80BF-17B3B2EDCC6A}"/>
               </a:ext>
             </a:extLst>
           </p:cNvPr>
@@ -24891,8 +24355,8 @@
         </p:blipFill>
         <p:spPr>
           <a:xfrm>
-            <a:off x="5402413" y="2779433"/>
-            <a:ext cx="6907996" cy="3931910"/>
+            <a:off x="1033424" y="2723153"/>
+            <a:ext cx="3799966" cy="3895995"/>
           </a:xfrm>
           <a:prstGeom prst="rect">
             <a:avLst/>

--- a/01-intro.pptx
+++ b/01-intro.pptx
@@ -282,7 +282,7 @@
               <a:rPr lang="en-US" smtClean="0">
                 <a:latin typeface="Segoe UI" pitchFamily="34" charset="0"/>
               </a:rPr>
-              <a:t>3/22/2022 4:53 PM</a:t>
+              <a:t>8/21/2022 8:02 AM</a:t>
             </a:fld>
             <a:endParaRPr lang="en-US" dirty="0">
               <a:latin typeface="Segoe UI" pitchFamily="34" charset="0"/>
@@ -579,7 +579,7 @@
           <a:p>
             <a:fld id="{D18B56EA-E28F-4F92-9F16-7A6F2501B303}" type="datetime8">
               <a:rPr lang="en-US" smtClean="0"/>
-              <a:t>3/22/2022 4:53 PM</a:t>
+              <a:t>8/21/2022 8:02 AM</a:t>
             </a:fld>
             <a:endParaRPr lang="en-US" dirty="0"/>
           </a:p>
@@ -962,7 +962,7 @@
           <a:p>
             <a:fld id="{D18B56EA-E28F-4F92-9F16-7A6F2501B303}" type="datetime8">
               <a:rPr lang="en-US" smtClean="0"/>
-              <a:t>3/22/2022 4:53 PM</a:t>
+              <a:t>8/21/2022 8:02 AM</a:t>
             </a:fld>
             <a:endParaRPr lang="en-US" dirty="0"/>
           </a:p>
@@ -2010,7 +2010,7 @@
           <a:p>
             <a:fld id="{D18B56EA-E28F-4F92-9F16-7A6F2501B303}" type="datetime8">
               <a:rPr lang="en-US" smtClean="0"/>
-              <a:t>3/22/2022 4:53 PM</a:t>
+              <a:t>8/21/2022 8:02 AM</a:t>
             </a:fld>
             <a:endParaRPr lang="en-US" dirty="0"/>
           </a:p>
@@ -2788,7 +2788,7 @@
           <a:p>
             <a:fld id="{D18B56EA-E28F-4F92-9F16-7A6F2501B303}" type="datetime8">
               <a:rPr lang="en-US" smtClean="0"/>
-              <a:t>3/23/2022 7:57 AM</a:t>
+              <a:t>8/21/2022 8:02 AM</a:t>
             </a:fld>
             <a:endParaRPr lang="en-US" dirty="0"/>
           </a:p>
@@ -2969,7 +2969,7 @@
           <a:p>
             <a:fld id="{D18B56EA-E28F-4F92-9F16-7A6F2501B303}" type="datetime8">
               <a:rPr lang="en-US" smtClean="0"/>
-              <a:t>3/22/2022 4:53 PM</a:t>
+              <a:t>8/21/2022 8:02 AM</a:t>
             </a:fld>
             <a:endParaRPr lang="en-US" dirty="0"/>
           </a:p>
@@ -3150,7 +3150,7 @@
           <a:p>
             <a:fld id="{D18B56EA-E28F-4F92-9F16-7A6F2501B303}" type="datetime8">
               <a:rPr lang="en-US" smtClean="0"/>
-              <a:t>3/22/2022 4:53 PM</a:t>
+              <a:t>8/21/2022 8:02 AM</a:t>
             </a:fld>
             <a:endParaRPr lang="en-US" dirty="0"/>
           </a:p>
@@ -3331,7 +3331,7 @@
           <a:p>
             <a:fld id="{D18B56EA-E28F-4F92-9F16-7A6F2501B303}" type="datetime8">
               <a:rPr lang="en-US" smtClean="0"/>
-              <a:t>3/22/2022 4:53 PM</a:t>
+              <a:t>8/21/2022 8:02 AM</a:t>
             </a:fld>
             <a:endParaRPr lang="en-US" dirty="0"/>
           </a:p>
@@ -3512,7 +3512,7 @@
           <a:p>
             <a:fld id="{D18B56EA-E28F-4F92-9F16-7A6F2501B303}" type="datetime8">
               <a:rPr lang="en-US" smtClean="0"/>
-              <a:t>3/22/2022 4:53 PM</a:t>
+              <a:t>8/21/2022 8:02 AM</a:t>
             </a:fld>
             <a:endParaRPr lang="en-US" dirty="0"/>
           </a:p>
@@ -3696,7 +3696,7 @@
           <a:p>
             <a:fld id="{D18B56EA-E28F-4F92-9F16-7A6F2501B303}" type="datetime8">
               <a:rPr lang="en-US" smtClean="0"/>
-              <a:t>3/22/2022 4:53 PM</a:t>
+              <a:t>8/21/2022 8:02 AM</a:t>
             </a:fld>
             <a:endParaRPr lang="en-US" dirty="0"/>
           </a:p>
@@ -4892,7 +4892,7 @@
           <a:p>
             <a:fld id="{D18B56EA-E28F-4F92-9F16-7A6F2501B303}" type="datetime8">
               <a:rPr lang="en-US" smtClean="0"/>
-              <a:t>3/22/2022 4:53 PM</a:t>
+              <a:t>8/21/2022 8:02 AM</a:t>
             </a:fld>
             <a:endParaRPr lang="en-US" dirty="0"/>
           </a:p>
@@ -5611,7 +5611,7 @@
           <a:p>
             <a:fld id="{D18B56EA-E28F-4F92-9F16-7A6F2501B303}" type="datetime8">
               <a:rPr lang="en-US" smtClean="0"/>
-              <a:t>3/22/2022 4:53 PM</a:t>
+              <a:t>8/21/2022 8:02 AM</a:t>
             </a:fld>
             <a:endParaRPr lang="en-US" dirty="0"/>
           </a:p>
@@ -23353,6 +23353,36 @@
           <a:chExt cx="0" cy="0"/>
         </a:xfrm>
       </p:grpSpPr>
+      <p:pic>
+        <p:nvPicPr>
+          <p:cNvPr id="6" name="Picture 5" descr="Graphical user interface, application&#10;&#10;Description automatically generated">
+            <a:extLst>
+              <a:ext uri="{FF2B5EF4-FFF2-40B4-BE49-F238E27FC236}">
+                <a16:creationId xmlns:a16="http://schemas.microsoft.com/office/drawing/2014/main" id="{A7252806-FD44-BA00-596E-03EE0C962138}"/>
+              </a:ext>
+            </a:extLst>
+          </p:cNvPr>
+          <p:cNvPicPr>
+            <a:picLocks noChangeAspect="1"/>
+          </p:cNvPicPr>
+          <p:nvPr/>
+        </p:nvPicPr>
+        <p:blipFill>
+          <a:blip r:embed="rId3"/>
+          <a:stretch>
+            <a:fillRect/>
+          </a:stretch>
+        </p:blipFill>
+        <p:spPr>
+          <a:xfrm>
+            <a:off x="8769355" y="1212849"/>
+            <a:ext cx="2648287" cy="5395221"/>
+          </a:xfrm>
+          <a:prstGeom prst="rect">
+            <a:avLst/>
+          </a:prstGeom>
+        </p:spPr>
+      </p:pic>
       <p:sp>
         <p:nvSpPr>
           <p:cNvPr id="4" name="Text Placeholder 3"/>
@@ -23549,36 +23579,6 @@
           </a:p>
         </p:txBody>
       </p:sp>
-      <p:pic>
-        <p:nvPicPr>
-          <p:cNvPr id="5" name="Picture 4" descr="Graphical user interface, application&#10;&#10;Description automatically generated">
-            <a:extLst>
-              <a:ext uri="{FF2B5EF4-FFF2-40B4-BE49-F238E27FC236}">
-                <a16:creationId xmlns:a16="http://schemas.microsoft.com/office/drawing/2014/main" id="{93DED375-923F-405C-90B1-DEF136ABCA66}"/>
-              </a:ext>
-            </a:extLst>
-          </p:cNvPr>
-          <p:cNvPicPr>
-            <a:picLocks noChangeAspect="1"/>
-          </p:cNvPicPr>
-          <p:nvPr/>
-        </p:nvPicPr>
-        <p:blipFill>
-          <a:blip r:embed="rId3"/>
-          <a:stretch>
-            <a:fillRect/>
-          </a:stretch>
-        </p:blipFill>
-        <p:spPr>
-          <a:xfrm>
-            <a:off x="8769355" y="1212849"/>
-            <a:ext cx="2648287" cy="5319274"/>
-          </a:xfrm>
-          <a:prstGeom prst="rect">
-            <a:avLst/>
-          </a:prstGeom>
-        </p:spPr>
-      </p:pic>
     </p:spTree>
     <p:extLst>
       <p:ext uri="{BB962C8B-B14F-4D97-AF65-F5344CB8AC3E}">
@@ -23612,6 +23612,36 @@
           <a:chExt cx="0" cy="0"/>
         </a:xfrm>
       </p:grpSpPr>
+      <p:pic>
+        <p:nvPicPr>
+          <p:cNvPr id="6" name="Picture 5" descr="Graphical user interface, application&#10;&#10;Description automatically generated">
+            <a:extLst>
+              <a:ext uri="{FF2B5EF4-FFF2-40B4-BE49-F238E27FC236}">
+                <a16:creationId xmlns:a16="http://schemas.microsoft.com/office/drawing/2014/main" id="{A04B0441-62F7-5BE8-F2B4-F78AA77E1484}"/>
+              </a:ext>
+            </a:extLst>
+          </p:cNvPr>
+          <p:cNvPicPr>
+            <a:picLocks noChangeAspect="1"/>
+          </p:cNvPicPr>
+          <p:nvPr/>
+        </p:nvPicPr>
+        <p:blipFill>
+          <a:blip r:embed="rId3"/>
+          <a:stretch>
+            <a:fillRect/>
+          </a:stretch>
+        </p:blipFill>
+        <p:spPr>
+          <a:xfrm>
+            <a:off x="8481019" y="498413"/>
+            <a:ext cx="2986049" cy="6083325"/>
+          </a:xfrm>
+          <a:prstGeom prst="rect">
+            <a:avLst/>
+          </a:prstGeom>
+        </p:spPr>
+      </p:pic>
       <p:sp>
         <p:nvSpPr>
           <p:cNvPr id="2" name="Text Placeholder 1"/>
@@ -23719,7 +23749,7 @@
           <p:nvPr/>
         </p:nvPicPr>
         <p:blipFill>
-          <a:blip r:embed="rId3"/>
+          <a:blip r:embed="rId4"/>
           <a:stretch>
             <a:fillRect/>
           </a:stretch>
@@ -23739,36 +23769,6 @@
               </a:schemeClr>
             </a:solidFill>
           </a:ln>
-        </p:spPr>
-      </p:pic>
-      <p:pic>
-        <p:nvPicPr>
-          <p:cNvPr id="11" name="Picture 10">
-            <a:extLst>
-              <a:ext uri="{FF2B5EF4-FFF2-40B4-BE49-F238E27FC236}">
-                <a16:creationId xmlns:a16="http://schemas.microsoft.com/office/drawing/2014/main" id="{5273529E-D684-45BA-9DC3-E09C687FB759}"/>
-              </a:ext>
-            </a:extLst>
-          </p:cNvPr>
-          <p:cNvPicPr>
-            <a:picLocks noChangeAspect="1"/>
-          </p:cNvPicPr>
-          <p:nvPr/>
-        </p:nvPicPr>
-        <p:blipFill>
-          <a:blip r:embed="rId4"/>
-          <a:stretch>
-            <a:fillRect/>
-          </a:stretch>
-        </p:blipFill>
-        <p:spPr>
-          <a:xfrm>
-            <a:off x="8481020" y="498414"/>
-            <a:ext cx="2986050" cy="5997696"/>
-          </a:xfrm>
-          <a:prstGeom prst="rect">
-            <a:avLst/>
-          </a:prstGeom>
         </p:spPr>
       </p:pic>
     </p:spTree>
@@ -23806,6 +23806,36 @@
       </p:grpSpPr>
       <p:pic>
         <p:nvPicPr>
+          <p:cNvPr id="6" name="Picture 5" descr="Graphical user interface, application&#10;&#10;Description automatically generated">
+            <a:extLst>
+              <a:ext uri="{FF2B5EF4-FFF2-40B4-BE49-F238E27FC236}">
+                <a16:creationId xmlns:a16="http://schemas.microsoft.com/office/drawing/2014/main" id="{83E10DAD-1693-2F53-0DE6-18D8606DEC55}"/>
+              </a:ext>
+            </a:extLst>
+          </p:cNvPr>
+          <p:cNvPicPr>
+            <a:picLocks noChangeAspect="1"/>
+          </p:cNvPicPr>
+          <p:nvPr/>
+        </p:nvPicPr>
+        <p:blipFill>
+          <a:blip r:embed="rId3"/>
+          <a:stretch>
+            <a:fillRect/>
+          </a:stretch>
+        </p:blipFill>
+        <p:spPr>
+          <a:xfrm>
+            <a:off x="8159744" y="711815"/>
+            <a:ext cx="2944016" cy="5997696"/>
+          </a:xfrm>
+          <a:prstGeom prst="rect">
+            <a:avLst/>
+          </a:prstGeom>
+        </p:spPr>
+      </p:pic>
+      <p:pic>
+        <p:nvPicPr>
           <p:cNvPr id="9" name="Picture 8">
             <a:extLst>
               <a:ext uri="{FF2B5EF4-FFF2-40B4-BE49-F238E27FC236}">
@@ -23819,7 +23849,7 @@
           <p:nvPr/>
         </p:nvPicPr>
         <p:blipFill>
-          <a:blip r:embed="rId3"/>
+          <a:blip r:embed="rId4"/>
           <a:stretch>
             <a:fillRect/>
           </a:stretch>
@@ -23878,36 +23908,6 @@
           </a:p>
         </p:txBody>
       </p:sp>
-      <p:pic>
-        <p:nvPicPr>
-          <p:cNvPr id="5" name="Picture 4">
-            <a:extLst>
-              <a:ext uri="{FF2B5EF4-FFF2-40B4-BE49-F238E27FC236}">
-                <a16:creationId xmlns:a16="http://schemas.microsoft.com/office/drawing/2014/main" id="{FC5D0C46-FA7B-4E37-9E1C-A315D5625A77}"/>
-              </a:ext>
-            </a:extLst>
-          </p:cNvPr>
-          <p:cNvPicPr>
-            <a:picLocks noChangeAspect="1"/>
-          </p:cNvPicPr>
-          <p:nvPr/>
-        </p:nvPicPr>
-        <p:blipFill>
-          <a:blip r:embed="rId4"/>
-          <a:stretch>
-            <a:fillRect/>
-          </a:stretch>
-        </p:blipFill>
-        <p:spPr>
-          <a:xfrm>
-            <a:off x="8159744" y="711815"/>
-            <a:ext cx="2986051" cy="5997697"/>
-          </a:xfrm>
-          <a:prstGeom prst="rect">
-            <a:avLst/>
-          </a:prstGeom>
-        </p:spPr>
-      </p:pic>
     </p:spTree>
     <p:extLst>
       <p:ext uri="{BB962C8B-B14F-4D97-AF65-F5344CB8AC3E}">
@@ -24116,56 +24116,12 @@
           <a:chExt cx="0" cy="0"/>
         </a:xfrm>
       </p:grpSpPr>
-      <p:sp>
-        <p:nvSpPr>
-          <p:cNvPr id="2" name="Text Placeholder 1"/>
-          <p:cNvSpPr>
-            <a:spLocks noGrp="1"/>
-          </p:cNvSpPr>
-          <p:nvPr>
-            <p:ph type="body" sz="quarter" idx="10"/>
-          </p:nvPr>
-        </p:nvSpPr>
-        <p:spPr/>
-        <p:txBody>
-          <a:bodyPr/>
-          <a:lstStyle/>
-          <a:p>
-            <a:r>
-              <a:rPr lang="en-US" dirty="0"/>
-              <a:t>Defines the web part styles</a:t>
-            </a:r>
-          </a:p>
-        </p:txBody>
-      </p:sp>
-      <p:sp>
-        <p:nvSpPr>
-          <p:cNvPr id="3" name="Title 2"/>
-          <p:cNvSpPr>
-            <a:spLocks noGrp="1"/>
-          </p:cNvSpPr>
-          <p:nvPr>
-            <p:ph type="title"/>
-          </p:nvPr>
-        </p:nvSpPr>
-        <p:spPr/>
-        <p:txBody>
-          <a:bodyPr/>
-          <a:lstStyle/>
-          <a:p>
-            <a:r>
-              <a:rPr lang="en-US" dirty="0"/>
-              <a:t>Key Files – SCSS file</a:t>
-            </a:r>
-          </a:p>
-        </p:txBody>
-      </p:sp>
       <p:pic>
         <p:nvPicPr>
-          <p:cNvPr id="7" name="Picture 6">
+          <p:cNvPr id="5" name="Picture 4" descr="Graphical user interface, application&#10;&#10;Description automatically generated">
             <a:extLst>
               <a:ext uri="{FF2B5EF4-FFF2-40B4-BE49-F238E27FC236}">
-                <a16:creationId xmlns:a16="http://schemas.microsoft.com/office/drawing/2014/main" id="{5542F509-B63A-4790-A094-A752E957F1E1}"/>
+                <a16:creationId xmlns:a16="http://schemas.microsoft.com/office/drawing/2014/main" id="{E5BC5855-95E1-F625-135B-EAE70E9F6F59}"/>
               </a:ext>
             </a:extLst>
           </p:cNvPr>
@@ -24183,13 +24139,57 @@
         <p:spPr>
           <a:xfrm>
             <a:off x="8558124" y="606424"/>
-            <a:ext cx="2878501" cy="5781675"/>
+            <a:ext cx="2824643" cy="5754501"/>
           </a:xfrm>
           <a:prstGeom prst="rect">
             <a:avLst/>
           </a:prstGeom>
         </p:spPr>
       </p:pic>
+      <p:sp>
+        <p:nvSpPr>
+          <p:cNvPr id="2" name="Text Placeholder 1"/>
+          <p:cNvSpPr>
+            <a:spLocks noGrp="1"/>
+          </p:cNvSpPr>
+          <p:nvPr>
+            <p:ph type="body" sz="quarter" idx="10"/>
+          </p:nvPr>
+        </p:nvSpPr>
+        <p:spPr/>
+        <p:txBody>
+          <a:bodyPr/>
+          <a:lstStyle/>
+          <a:p>
+            <a:r>
+              <a:rPr lang="en-US" dirty="0"/>
+              <a:t>Defines the web part styles</a:t>
+            </a:r>
+          </a:p>
+        </p:txBody>
+      </p:sp>
+      <p:sp>
+        <p:nvSpPr>
+          <p:cNvPr id="3" name="Title 2"/>
+          <p:cNvSpPr>
+            <a:spLocks noGrp="1"/>
+          </p:cNvSpPr>
+          <p:nvPr>
+            <p:ph type="title"/>
+          </p:nvPr>
+        </p:nvSpPr>
+        <p:spPr/>
+        <p:txBody>
+          <a:bodyPr/>
+          <a:lstStyle/>
+          <a:p>
+            <a:r>
+              <a:rPr lang="en-US" dirty="0"/>
+              <a:t>Key Files – SCSS file</a:t>
+            </a:r>
+          </a:p>
+        </p:txBody>
+      </p:sp>
       <p:pic>
         <p:nvPicPr>
           <p:cNvPr id="9" name="Picture 8">

--- a/01-intro.pptx
+++ b/01-intro.pptx
@@ -282,7 +282,7 @@
               <a:rPr lang="en-US" smtClean="0">
                 <a:latin typeface="Segoe UI" pitchFamily="34" charset="0"/>
               </a:rPr>
-              <a:t>8/21/2022 8:02 AM</a:t>
+              <a:t>11/8/2022 9:40 AM</a:t>
             </a:fld>
             <a:endParaRPr lang="en-US" dirty="0">
               <a:latin typeface="Segoe UI" pitchFamily="34" charset="0"/>
@@ -579,7 +579,7 @@
           <a:p>
             <a:fld id="{D18B56EA-E28F-4F92-9F16-7A6F2501B303}" type="datetime8">
               <a:rPr lang="en-US" smtClean="0"/>
-              <a:t>8/21/2022 8:02 AM</a:t>
+              <a:t>11/8/2022 9:40 AM</a:t>
             </a:fld>
             <a:endParaRPr lang="en-US" dirty="0"/>
           </a:p>
@@ -962,7 +962,7 @@
           <a:p>
             <a:fld id="{D18B56EA-E28F-4F92-9F16-7A6F2501B303}" type="datetime8">
               <a:rPr lang="en-US" smtClean="0"/>
-              <a:t>8/21/2022 8:02 AM</a:t>
+              <a:t>11/8/2022 9:40 AM</a:t>
             </a:fld>
             <a:endParaRPr lang="en-US" dirty="0"/>
           </a:p>
@@ -2010,7 +2010,7 @@
           <a:p>
             <a:fld id="{D18B56EA-E28F-4F92-9F16-7A6F2501B303}" type="datetime8">
               <a:rPr lang="en-US" smtClean="0"/>
-              <a:t>8/21/2022 8:02 AM</a:t>
+              <a:t>11/8/2022 9:40 AM</a:t>
             </a:fld>
             <a:endParaRPr lang="en-US" dirty="0"/>
           </a:p>
@@ -2788,7 +2788,7 @@
           <a:p>
             <a:fld id="{D18B56EA-E28F-4F92-9F16-7A6F2501B303}" type="datetime8">
               <a:rPr lang="en-US" smtClean="0"/>
-              <a:t>8/21/2022 8:02 AM</a:t>
+              <a:t>11/8/2022 9:40 AM</a:t>
             </a:fld>
             <a:endParaRPr lang="en-US" dirty="0"/>
           </a:p>
@@ -2969,7 +2969,7 @@
           <a:p>
             <a:fld id="{D18B56EA-E28F-4F92-9F16-7A6F2501B303}" type="datetime8">
               <a:rPr lang="en-US" smtClean="0"/>
-              <a:t>8/21/2022 8:02 AM</a:t>
+              <a:t>11/8/2022 9:40 AM</a:t>
             </a:fld>
             <a:endParaRPr lang="en-US" dirty="0"/>
           </a:p>
@@ -3150,7 +3150,7 @@
           <a:p>
             <a:fld id="{D18B56EA-E28F-4F92-9F16-7A6F2501B303}" type="datetime8">
               <a:rPr lang="en-US" smtClean="0"/>
-              <a:t>8/21/2022 8:02 AM</a:t>
+              <a:t>11/8/2022 9:40 AM</a:t>
             </a:fld>
             <a:endParaRPr lang="en-US" dirty="0"/>
           </a:p>
@@ -3331,7 +3331,7 @@
           <a:p>
             <a:fld id="{D18B56EA-E28F-4F92-9F16-7A6F2501B303}" type="datetime8">
               <a:rPr lang="en-US" smtClean="0"/>
-              <a:t>8/21/2022 8:02 AM</a:t>
+              <a:t>11/8/2022 9:40 AM</a:t>
             </a:fld>
             <a:endParaRPr lang="en-US" dirty="0"/>
           </a:p>
@@ -3512,7 +3512,7 @@
           <a:p>
             <a:fld id="{D18B56EA-E28F-4F92-9F16-7A6F2501B303}" type="datetime8">
               <a:rPr lang="en-US" smtClean="0"/>
-              <a:t>8/21/2022 8:02 AM</a:t>
+              <a:t>11/8/2022 9:40 AM</a:t>
             </a:fld>
             <a:endParaRPr lang="en-US" dirty="0"/>
           </a:p>
@@ -3696,7 +3696,7 @@
           <a:p>
             <a:fld id="{D18B56EA-E28F-4F92-9F16-7A6F2501B303}" type="datetime8">
               <a:rPr lang="en-US" smtClean="0"/>
-              <a:t>8/21/2022 8:02 AM</a:t>
+              <a:t>11/8/2022 9:40 AM</a:t>
             </a:fld>
             <a:endParaRPr lang="en-US" dirty="0"/>
           </a:p>
@@ -4892,7 +4892,7 @@
           <a:p>
             <a:fld id="{D18B56EA-E28F-4F92-9F16-7A6F2501B303}" type="datetime8">
               <a:rPr lang="en-US" smtClean="0"/>
-              <a:t>8/21/2022 8:02 AM</a:t>
+              <a:t>11/8/2022 9:40 AM</a:t>
             </a:fld>
             <a:endParaRPr lang="en-US" dirty="0"/>
           </a:p>
@@ -5611,7 +5611,7 @@
           <a:p>
             <a:fld id="{D18B56EA-E28F-4F92-9F16-7A6F2501B303}" type="datetime8">
               <a:rPr lang="en-US" smtClean="0"/>
-              <a:t>8/21/2022 8:02 AM</a:t>
+              <a:t>11/8/2022 9:40 AM</a:t>
             </a:fld>
             <a:endParaRPr lang="en-US" dirty="0"/>
           </a:p>
@@ -22896,7 +22896,7 @@
                 <a:latin typeface="+mj-lt"/>
                 <a:hlinkClick r:id="rId3"/>
               </a:rPr>
-              <a:t>https://docs.microsoft.com/en-us/sharepoint/dev/spfx/sharepoint-framework-overview</a:t>
+              <a:t>https://learn.microsoft.com/en-us/sharepoint/dev/spfx/sharepoint-framework-overview</a:t>
             </a:r>
             <a:endParaRPr lang="en-US" sz="1800" dirty="0">
               <a:latin typeface="+mj-lt"/>
@@ -22958,7 +22958,7 @@
                 <a:latin typeface="+mj-lt"/>
                 <a:hlinkClick r:id="rId4"/>
               </a:rPr>
-              <a:t>https://docs.microsoft.com/sharepoint/dev/spfx/web-parts/overview-client-side-web-parts</a:t>
+              <a:t>https://learn.microsoft.com/sharepoint/dev/spfx/web-parts/overview-client-side-web-parts</a:t>
             </a:r>
             <a:endParaRPr lang="en-US" sz="1800" dirty="0">
               <a:latin typeface="+mj-lt"/>
